--- a/results/figures/pptx/care_organization_experience.pptx
+++ b/results/figures/pptx/care_organization_experience.pptx
@@ -2271,8 +2271,34 @@
           </p:nvSpPr>
           <p:spPr>
             <a:xfrm>
-              <a:off x="1416059" y="1919709"/>
-              <a:ext cx="1948817" cy="660965"/>
+              <a:off x="949027" y="1946776"/>
+              <a:ext cx="2153855" cy="93744"/>
+            </a:xfrm>
+            <a:prstGeom prst="rect">
+              <a:avLst/>
+            </a:prstGeom>
+            <a:solidFill>
+              <a:srgbClr val="B0BEC5">
+                <a:alpha val="100000"/>
+              </a:srgbClr>
+            </a:solidFill>
+          </p:spPr>
+          <p:txBody>
+            <a:bodyPr/>
+            <a:lstStyle/>
+            <a:p/>
+          </p:txBody>
+        </p:sp>
+        <p:sp>
+          <p:nvSpPr>
+            <p:cNvPr id="5" name="rc5"/>
+            <p:cNvSpPr/>
+            <p:nvPr/>
+          </p:nvSpPr>
+          <p:spPr>
+            <a:xfrm>
+              <a:off x="949027" y="2040521"/>
+              <a:ext cx="2153855" cy="749954"/>
             </a:xfrm>
             <a:prstGeom prst="rect">
               <a:avLst/>
@@ -2291,20 +2317,20 @@
         </p:sp>
         <p:sp>
           <p:nvSpPr>
-            <p:cNvPr id="5" name="rc5"/>
-            <p:cNvSpPr/>
-            <p:nvPr/>
-          </p:nvSpPr>
-          <p:spPr>
-            <a:xfrm>
-              <a:off x="1416059" y="2580674"/>
-              <a:ext cx="1948817" cy="1542251"/>
+            <p:cNvPr id="6" name="rc6"/>
+            <p:cNvSpPr/>
+            <p:nvPr/>
+          </p:nvSpPr>
+          <p:spPr>
+            <a:xfrm>
+              <a:off x="949027" y="2790475"/>
+              <a:ext cx="2153855" cy="1749894"/>
             </a:xfrm>
             <a:prstGeom prst="rect">
               <a:avLst/>
             </a:prstGeom>
             <a:solidFill>
-              <a:srgbClr val="43AA70">
+              <a:srgbClr val="8BC34A">
                 <a:alpha val="100000"/>
               </a:srgbClr>
             </a:solidFill>
@@ -2317,20 +2343,20 @@
         </p:sp>
         <p:sp>
           <p:nvSpPr>
-            <p:cNvPr id="6" name="rc6"/>
-            <p:cNvSpPr/>
-            <p:nvPr/>
-          </p:nvSpPr>
-          <p:spPr>
-            <a:xfrm>
-              <a:off x="1416059" y="4122926"/>
-              <a:ext cx="1948817" cy="936367"/>
+            <p:cNvPr id="7" name="rc7"/>
+            <p:cNvSpPr/>
+            <p:nvPr/>
+          </p:nvSpPr>
+          <p:spPr>
+            <a:xfrm>
+              <a:off x="949027" y="4540369"/>
+              <a:ext cx="2153855" cy="1062435"/>
             </a:xfrm>
             <a:prstGeom prst="rect">
               <a:avLst/>
             </a:prstGeom>
             <a:solidFill>
-              <a:srgbClr val="B7B924">
+              <a:srgbClr val="FFC107">
                 <a:alpha val="100000"/>
               </a:srgbClr>
             </a:solidFill>
@@ -2343,20 +2369,20 @@
         </p:sp>
         <p:sp>
           <p:nvSpPr>
-            <p:cNvPr id="7" name="rc7"/>
-            <p:cNvSpPr/>
-            <p:nvPr/>
-          </p:nvSpPr>
-          <p:spPr>
-            <a:xfrm>
-              <a:off x="1416059" y="5059293"/>
-              <a:ext cx="1948817" cy="660965"/>
+            <p:cNvPr id="8" name="rc8"/>
+            <p:cNvSpPr/>
+            <p:nvPr/>
+          </p:nvSpPr>
+          <p:spPr>
+            <a:xfrm>
+              <a:off x="949027" y="5602805"/>
+              <a:ext cx="2153855" cy="749954"/>
             </a:xfrm>
             <a:prstGeom prst="rect">
               <a:avLst/>
             </a:prstGeom>
             <a:solidFill>
-              <a:srgbClr val="D7834A">
+              <a:srgbClr val="FF9800">
                 <a:alpha val="100000"/>
               </a:srgbClr>
             </a:solidFill>
@@ -2369,40 +2395,14 @@
         </p:sp>
         <p:sp>
           <p:nvSpPr>
-            <p:cNvPr id="8" name="rc8"/>
-            <p:cNvSpPr/>
-            <p:nvPr/>
-          </p:nvSpPr>
-          <p:spPr>
-            <a:xfrm>
-              <a:off x="1416059" y="5720258"/>
-              <a:ext cx="1948817" cy="137701"/>
-            </a:xfrm>
-            <a:prstGeom prst="rect">
-              <a:avLst/>
-            </a:prstGeom>
-            <a:solidFill>
-              <a:srgbClr val="AD2C97">
-                <a:alpha val="100000"/>
-              </a:srgbClr>
-            </a:solidFill>
-          </p:spPr>
-          <p:txBody>
-            <a:bodyPr/>
-            <a:lstStyle/>
-            <a:p/>
-          </p:txBody>
-        </p:sp>
-        <p:sp>
-          <p:nvSpPr>
             <p:cNvPr id="9" name="rc9"/>
             <p:cNvSpPr/>
             <p:nvPr/>
           </p:nvSpPr>
           <p:spPr>
             <a:xfrm>
-              <a:off x="1416059" y="5857959"/>
-              <a:ext cx="1948817" cy="82620"/>
+              <a:off x="949027" y="6352760"/>
+              <a:ext cx="2153855" cy="156240"/>
             </a:xfrm>
             <a:prstGeom prst="rect">
               <a:avLst/>
@@ -2427,8 +2427,34 @@
           </p:nvSpPr>
           <p:spPr>
             <a:xfrm>
-              <a:off x="3581412" y="1919709"/>
-              <a:ext cx="1948817" cy="1900274"/>
+              <a:off x="3342200" y="1946776"/>
+              <a:ext cx="2153855" cy="93744"/>
+            </a:xfrm>
+            <a:prstGeom prst="rect">
+              <a:avLst/>
+            </a:prstGeom>
+            <a:solidFill>
+              <a:srgbClr val="B0BEC5">
+                <a:alpha val="100000"/>
+              </a:srgbClr>
+            </a:solidFill>
+          </p:spPr>
+          <p:txBody>
+            <a:bodyPr/>
+            <a:lstStyle/>
+            <a:p/>
+          </p:txBody>
+        </p:sp>
+        <p:sp>
+          <p:nvSpPr>
+            <p:cNvPr id="11" name="rc11"/>
+            <p:cNvSpPr/>
+            <p:nvPr/>
+          </p:nvSpPr>
+          <p:spPr>
+            <a:xfrm>
+              <a:off x="3342200" y="2040521"/>
+              <a:ext cx="2153855" cy="2156119"/>
             </a:xfrm>
             <a:prstGeom prst="rect">
               <a:avLst/>
@@ -2447,20 +2473,20 @@
         </p:sp>
         <p:sp>
           <p:nvSpPr>
-            <p:cNvPr id="11" name="rc11"/>
-            <p:cNvSpPr/>
-            <p:nvPr/>
-          </p:nvSpPr>
-          <p:spPr>
-            <a:xfrm>
-              <a:off x="3581412" y="3819983"/>
-              <a:ext cx="1948817" cy="1542251"/>
+            <p:cNvPr id="12" name="rc12"/>
+            <p:cNvSpPr/>
+            <p:nvPr/>
+          </p:nvSpPr>
+          <p:spPr>
+            <a:xfrm>
+              <a:off x="3342200" y="4196640"/>
+              <a:ext cx="2153855" cy="1749894"/>
             </a:xfrm>
             <a:prstGeom prst="rect">
               <a:avLst/>
             </a:prstGeom>
             <a:solidFill>
-              <a:srgbClr val="43AA70">
+              <a:srgbClr val="8BC34A">
                 <a:alpha val="100000"/>
               </a:srgbClr>
             </a:solidFill>
@@ -2473,20 +2499,20 @@
         </p:sp>
         <p:sp>
           <p:nvSpPr>
-            <p:cNvPr id="12" name="rc12"/>
-            <p:cNvSpPr/>
-            <p:nvPr/>
-          </p:nvSpPr>
-          <p:spPr>
-            <a:xfrm>
-              <a:off x="3581412" y="5362235"/>
-              <a:ext cx="1948817" cy="220321"/>
+            <p:cNvPr id="13" name="rc13"/>
+            <p:cNvSpPr/>
+            <p:nvPr/>
+          </p:nvSpPr>
+          <p:spPr>
+            <a:xfrm>
+              <a:off x="3342200" y="5946534"/>
+              <a:ext cx="2153855" cy="249984"/>
             </a:xfrm>
             <a:prstGeom prst="rect">
               <a:avLst/>
             </a:prstGeom>
             <a:solidFill>
-              <a:srgbClr val="B7B924">
+              <a:srgbClr val="FFC107">
                 <a:alpha val="100000"/>
               </a:srgbClr>
             </a:solidFill>
@@ -2499,20 +2525,20 @@
         </p:sp>
         <p:sp>
           <p:nvSpPr>
-            <p:cNvPr id="13" name="rc13"/>
-            <p:cNvSpPr/>
-            <p:nvPr/>
-          </p:nvSpPr>
-          <p:spPr>
-            <a:xfrm>
-              <a:off x="3581412" y="5582557"/>
-              <a:ext cx="1948817" cy="165241"/>
+            <p:cNvPr id="14" name="rc14"/>
+            <p:cNvSpPr/>
+            <p:nvPr/>
+          </p:nvSpPr>
+          <p:spPr>
+            <a:xfrm>
+              <a:off x="3342200" y="6196519"/>
+              <a:ext cx="2153855" cy="187488"/>
             </a:xfrm>
             <a:prstGeom prst="rect">
               <a:avLst/>
             </a:prstGeom>
             <a:solidFill>
-              <a:srgbClr val="D7834A">
+              <a:srgbClr val="FF9800">
                 <a:alpha val="100000"/>
               </a:srgbClr>
             </a:solidFill>
@@ -2525,40 +2551,14 @@
         </p:sp>
         <p:sp>
           <p:nvSpPr>
-            <p:cNvPr id="14" name="rc14"/>
-            <p:cNvSpPr/>
-            <p:nvPr/>
-          </p:nvSpPr>
-          <p:spPr>
-            <a:xfrm>
-              <a:off x="3581412" y="5747798"/>
-              <a:ext cx="1948817" cy="110160"/>
-            </a:xfrm>
-            <a:prstGeom prst="rect">
-              <a:avLst/>
-            </a:prstGeom>
-            <a:solidFill>
-              <a:srgbClr val="AD2C97">
-                <a:alpha val="100000"/>
-              </a:srgbClr>
-            </a:solidFill>
-          </p:spPr>
-          <p:txBody>
-            <a:bodyPr/>
-            <a:lstStyle/>
-            <a:p/>
-          </p:txBody>
-        </p:sp>
-        <p:sp>
-          <p:nvSpPr>
             <p:cNvPr id="15" name="rc15"/>
             <p:cNvSpPr/>
             <p:nvPr/>
           </p:nvSpPr>
           <p:spPr>
             <a:xfrm>
-              <a:off x="3581412" y="5857959"/>
-              <a:ext cx="1948817" cy="82620"/>
+              <a:off x="3342200" y="6384008"/>
+              <a:ext cx="2153855" cy="124992"/>
             </a:xfrm>
             <a:prstGeom prst="rect">
               <a:avLst/>
@@ -2583,8 +2583,8 @@
           </p:nvSpPr>
           <p:spPr>
             <a:xfrm>
-              <a:off x="2245822" y="2192883"/>
-              <a:ext cx="289291" cy="109040"/>
+              <a:off x="1813097" y="1909734"/>
+              <a:ext cx="425715" cy="135647"/>
             </a:xfrm>
             <a:prstGeom prst="rect">
               <a:avLst/>
@@ -2616,7 +2616,7 @@
                   <a:latin typeface="Arial"/>
                   <a:cs typeface="Arial"/>
                 </a:rPr>
-                <a:t>16%</a:t>
+                <a:t>3 (2%)</a:t>
               </a:r>
             </a:p>
           </p:txBody>
@@ -2629,8 +2629,8 @@
           </p:nvSpPr>
           <p:spPr>
             <a:xfrm>
-              <a:off x="2245822" y="3294492"/>
-              <a:ext cx="289291" cy="109040"/>
+              <a:off x="1732711" y="2331583"/>
+              <a:ext cx="586487" cy="135647"/>
             </a:xfrm>
             <a:prstGeom prst="rect">
               <a:avLst/>
@@ -2662,7 +2662,7 @@
                   <a:latin typeface="Arial"/>
                   <a:cs typeface="Arial"/>
                 </a:rPr>
-                <a:t>38%</a:t>
+                <a:t>24 (16%)</a:t>
               </a:r>
             </a:p>
           </p:txBody>
@@ -2675,8 +2675,8 @@
           </p:nvSpPr>
           <p:spPr>
             <a:xfrm>
-              <a:off x="2245822" y="4533801"/>
-              <a:ext cx="289291" cy="109040"/>
+              <a:off x="1732711" y="3581507"/>
+              <a:ext cx="586487" cy="135647"/>
             </a:xfrm>
             <a:prstGeom prst="rect">
               <a:avLst/>
@@ -2708,7 +2708,7 @@
                   <a:latin typeface="Arial"/>
                   <a:cs typeface="Arial"/>
                 </a:rPr>
-                <a:t>23%</a:t>
+                <a:t>56 (38%)</a:t>
               </a:r>
             </a:p>
           </p:txBody>
@@ -2721,8 +2721,8 @@
           </p:nvSpPr>
           <p:spPr>
             <a:xfrm>
-              <a:off x="2245822" y="5332467"/>
-              <a:ext cx="289291" cy="109040"/>
+              <a:off x="1732711" y="4987672"/>
+              <a:ext cx="586487" cy="135647"/>
             </a:xfrm>
             <a:prstGeom prst="rect">
               <a:avLst/>
@@ -2754,7 +2754,7 @@
                   <a:latin typeface="Arial"/>
                   <a:cs typeface="Arial"/>
                 </a:rPr>
-                <a:t>16%</a:t>
+                <a:t>34 (23%)</a:t>
               </a:r>
             </a:p>
           </p:txBody>
@@ -2767,8 +2767,8 @@
           </p:nvSpPr>
           <p:spPr>
             <a:xfrm>
-              <a:off x="2286015" y="5731801"/>
-              <a:ext cx="208905" cy="109040"/>
+              <a:off x="1732711" y="5893867"/>
+              <a:ext cx="586487" cy="135647"/>
             </a:xfrm>
             <a:prstGeom prst="rect">
               <a:avLst/>
@@ -2800,7 +2800,7 @@
                   <a:latin typeface="Arial"/>
                   <a:cs typeface="Arial"/>
                 </a:rPr>
-                <a:t>3%</a:t>
+                <a:t>24 (16%)</a:t>
               </a:r>
             </a:p>
           </p:txBody>
@@ -2813,8 +2813,8 @@
           </p:nvSpPr>
           <p:spPr>
             <a:xfrm>
-              <a:off x="2286015" y="5841961"/>
-              <a:ext cx="208905" cy="109040"/>
+              <a:off x="1813097" y="6346965"/>
+              <a:ext cx="425715" cy="135647"/>
             </a:xfrm>
             <a:prstGeom prst="rect">
               <a:avLst/>
@@ -2846,7 +2846,7 @@
                   <a:latin typeface="Arial"/>
                   <a:cs typeface="Arial"/>
                 </a:rPr>
-                <a:t>2%</a:t>
+                <a:t>5 (3%)</a:t>
               </a:r>
             </a:p>
           </p:txBody>
@@ -2859,8 +2859,8 @@
           </p:nvSpPr>
           <p:spPr>
             <a:xfrm>
-              <a:off x="4411174" y="2812538"/>
-              <a:ext cx="289291" cy="109040"/>
+              <a:off x="4206270" y="1909734"/>
+              <a:ext cx="425715" cy="135647"/>
             </a:xfrm>
             <a:prstGeom prst="rect">
               <a:avLst/>
@@ -2892,7 +2892,7 @@
                   <a:latin typeface="Arial"/>
                   <a:cs typeface="Arial"/>
                 </a:rPr>
-                <a:t>47%</a:t>
+                <a:t>3 (2%)</a:t>
               </a:r>
             </a:p>
           </p:txBody>
@@ -2905,8 +2905,8 @@
           </p:nvSpPr>
           <p:spPr>
             <a:xfrm>
-              <a:off x="4411174" y="4533801"/>
-              <a:ext cx="289291" cy="109040"/>
+              <a:off x="4125884" y="3034665"/>
+              <a:ext cx="586487" cy="135647"/>
             </a:xfrm>
             <a:prstGeom prst="rect">
               <a:avLst/>
@@ -2938,7 +2938,7 @@
                   <a:latin typeface="Arial"/>
                   <a:cs typeface="Arial"/>
                 </a:rPr>
-                <a:t>38%</a:t>
+                <a:t>69 (47%)</a:t>
               </a:r>
             </a:p>
           </p:txBody>
@@ -2951,8 +2951,8 @@
           </p:nvSpPr>
           <p:spPr>
             <a:xfrm>
-              <a:off x="4451367" y="5415088"/>
-              <a:ext cx="208905" cy="109040"/>
+              <a:off x="4125884" y="4987672"/>
+              <a:ext cx="586487" cy="135647"/>
             </a:xfrm>
             <a:prstGeom prst="rect">
               <a:avLst/>
@@ -2984,7 +2984,7 @@
                   <a:latin typeface="Arial"/>
                   <a:cs typeface="Arial"/>
                 </a:rPr>
-                <a:t>5%</a:t>
+                <a:t>56 (38%)</a:t>
               </a:r>
             </a:p>
           </p:txBody>
@@ -2997,8 +2997,8 @@
           </p:nvSpPr>
           <p:spPr>
             <a:xfrm>
-              <a:off x="4451367" y="5607870"/>
-              <a:ext cx="208905" cy="109040"/>
+              <a:off x="4206270" y="5987612"/>
+              <a:ext cx="425715" cy="135647"/>
             </a:xfrm>
             <a:prstGeom prst="rect">
               <a:avLst/>
@@ -3030,7 +3030,7 @@
                   <a:latin typeface="Arial"/>
                   <a:cs typeface="Arial"/>
                 </a:rPr>
-                <a:t>4%</a:t>
+                <a:t>8 (5%)</a:t>
               </a:r>
             </a:p>
           </p:txBody>
@@ -3043,8 +3043,8 @@
           </p:nvSpPr>
           <p:spPr>
             <a:xfrm>
-              <a:off x="4451367" y="5745571"/>
-              <a:ext cx="208905" cy="109040"/>
+              <a:off x="4206270" y="6206349"/>
+              <a:ext cx="425715" cy="135647"/>
             </a:xfrm>
             <a:prstGeom prst="rect">
               <a:avLst/>
@@ -3076,7 +3076,7 @@
                   <a:latin typeface="Arial"/>
                   <a:cs typeface="Arial"/>
                 </a:rPr>
-                <a:t>3%</a:t>
+                <a:t>6 (4%)</a:t>
               </a:r>
             </a:p>
           </p:txBody>
@@ -3089,8 +3089,8 @@
           </p:nvSpPr>
           <p:spPr>
             <a:xfrm>
-              <a:off x="4451367" y="5841961"/>
-              <a:ext cx="208905" cy="109040"/>
+              <a:off x="4206270" y="6362589"/>
+              <a:ext cx="425715" cy="135647"/>
             </a:xfrm>
             <a:prstGeom prst="rect">
               <a:avLst/>
@@ -3122,44 +3122,444 @@
                   <a:latin typeface="Arial"/>
                   <a:cs typeface="Arial"/>
                 </a:rPr>
-                <a:t>2%</a:t>
+                <a:t>4 (3%)</a:t>
               </a:r>
             </a:p>
           </p:txBody>
         </p:sp>
         <p:sp>
           <p:nvSpPr>
-            <p:cNvPr id="28" name="pl28"/>
-            <p:cNvSpPr/>
-            <p:nvPr/>
-          </p:nvSpPr>
-          <p:spPr>
-            <a:xfrm>
-              <a:off x="1091256" y="1718665"/>
-              <a:ext cx="0" cy="4422957"/>
-            </a:xfrm>
-            <a:custGeom>
-              <a:avLst/>
-              <a:pathLst>
-                <a:path w="0" h="4422957">
-                  <a:moveTo>
-                    <a:pt x="0" y="4422957"/>
-                  </a:moveTo>
-                  <a:lnTo>
-                    <a:pt x="0" y="0"/>
-                  </a:lnTo>
-                </a:path>
-              </a:pathLst>
-            </a:custGeom>
-            <a:ln w="13550" cap="sq">
-              <a:solidFill>
-                <a:srgbClr val="000000">
-                  <a:alpha val="100000"/>
-                </a:srgbClr>
-              </a:solidFill>
-              <a:prstDash val="solid"/>
-              <a:round/>
-            </a:ln>
+            <p:cNvPr id="28" name="tx28"/>
+            <p:cNvSpPr/>
+            <p:nvPr/>
+          </p:nvSpPr>
+          <p:spPr>
+            <a:xfrm>
+              <a:off x="1267087" y="6792564"/>
+              <a:ext cx="1517736" cy="117698"/>
+            </a:xfrm>
+            <a:prstGeom prst="rect">
+              <a:avLst/>
+            </a:prstGeom>
+            <a:noFill/>
+          </p:spPr>
+          <p:txBody>
+            <a:bodyPr lIns="0" rIns="0" tIns="0" bIns="0" anchorCtr="1" anchor="ctr" wrap="none"/>
+            <a:lstStyle/>
+            <a:p>
+              <a:pPr algn="l" marL="0" marR="0" indent="0">
+                <a:lnSpc>
+                  <a:spcPts val="1000"/>
+                </a:lnSpc>
+                <a:spcBef>
+                  <a:spcPts val="0"/>
+                </a:spcBef>
+                <a:spcAft>
+                  <a:spcPts val="0"/>
+                </a:spcAft>
+              </a:pPr>
+              <a:r>
+                <a:rPr sz="1000">
+                  <a:solidFill>
+                    <a:srgbClr val="000000">
+                      <a:alpha val="100000"/>
+                    </a:srgbClr>
+                  </a:solidFill>
+                  <a:latin typeface="Arial"/>
+                  <a:cs typeface="Arial"/>
+                </a:rPr>
+                <a:t>Considérez-vous que votre</a:t>
+              </a:r>
+            </a:p>
+          </p:txBody>
+        </p:sp>
+        <p:sp>
+          <p:nvSpPr>
+            <p:cNvPr id="29" name="tx29"/>
+            <p:cNvSpPr/>
+            <p:nvPr/>
+          </p:nvSpPr>
+          <p:spPr>
+            <a:xfrm>
+              <a:off x="1291674" y="6929290"/>
+              <a:ext cx="1468561" cy="118132"/>
+            </a:xfrm>
+            <a:prstGeom prst="rect">
+              <a:avLst/>
+            </a:prstGeom>
+            <a:noFill/>
+          </p:spPr>
+          <p:txBody>
+            <a:bodyPr lIns="0" rIns="0" tIns="0" bIns="0" anchorCtr="1" anchor="ctr" wrap="none"/>
+            <a:lstStyle/>
+            <a:p>
+              <a:pPr algn="l" marL="0" marR="0" indent="0">
+                <a:lnSpc>
+                  <a:spcPts val="1000"/>
+                </a:lnSpc>
+                <a:spcBef>
+                  <a:spcPts val="0"/>
+                </a:spcBef>
+                <a:spcAft>
+                  <a:spcPts val="0"/>
+                </a:spcAft>
+              </a:pPr>
+              <a:r>
+                <a:rPr sz="1000">
+                  <a:solidFill>
+                    <a:srgbClr val="000000">
+                      <a:alpha val="100000"/>
+                    </a:srgbClr>
+                  </a:solidFill>
+                  <a:latin typeface="Arial"/>
+                  <a:cs typeface="Arial"/>
+                </a:rPr>
+                <a:t>prise en charge a été bien</a:t>
+              </a:r>
+            </a:p>
+          </p:txBody>
+        </p:sp>
+        <p:sp>
+          <p:nvSpPr>
+            <p:cNvPr id="30" name="tx30"/>
+            <p:cNvSpPr/>
+            <p:nvPr/>
+          </p:nvSpPr>
+          <p:spPr>
+            <a:xfrm>
+              <a:off x="1270497" y="7065396"/>
+              <a:ext cx="1510915" cy="119186"/>
+            </a:xfrm>
+            <a:prstGeom prst="rect">
+              <a:avLst/>
+            </a:prstGeom>
+            <a:noFill/>
+          </p:spPr>
+          <p:txBody>
+            <a:bodyPr lIns="0" rIns="0" tIns="0" bIns="0" anchorCtr="1" anchor="ctr" wrap="none"/>
+            <a:lstStyle/>
+            <a:p>
+              <a:pPr algn="l" marL="0" marR="0" indent="0">
+                <a:lnSpc>
+                  <a:spcPts val="1000"/>
+                </a:lnSpc>
+                <a:spcBef>
+                  <a:spcPts val="0"/>
+                </a:spcBef>
+                <a:spcAft>
+                  <a:spcPts val="0"/>
+                </a:spcAft>
+              </a:pPr>
+              <a:r>
+                <a:rPr sz="1000">
+                  <a:solidFill>
+                    <a:srgbClr val="000000">
+                      <a:alpha val="100000"/>
+                    </a:srgbClr>
+                  </a:solidFill>
+                  <a:latin typeface="Arial"/>
+                  <a:cs typeface="Arial"/>
+                </a:rPr>
+                <a:t>organisée et planifiée au fil</a:t>
+              </a:r>
+            </a:p>
+          </p:txBody>
+        </p:sp>
+        <p:sp>
+          <p:nvSpPr>
+            <p:cNvPr id="31" name="tx31"/>
+            <p:cNvSpPr/>
+            <p:nvPr/>
+          </p:nvSpPr>
+          <p:spPr>
+            <a:xfrm>
+              <a:off x="1729446" y="7204044"/>
+              <a:ext cx="593018" cy="117698"/>
+            </a:xfrm>
+            <a:prstGeom prst="rect">
+              <a:avLst/>
+            </a:prstGeom>
+            <a:noFill/>
+          </p:spPr>
+          <p:txBody>
+            <a:bodyPr lIns="0" rIns="0" tIns="0" bIns="0" anchorCtr="1" anchor="ctr" wrap="none"/>
+            <a:lstStyle/>
+            <a:p>
+              <a:pPr algn="l" marL="0" marR="0" indent="0">
+                <a:lnSpc>
+                  <a:spcPts val="1000"/>
+                </a:lnSpc>
+                <a:spcBef>
+                  <a:spcPts val="0"/>
+                </a:spcBef>
+                <a:spcAft>
+                  <a:spcPts val="0"/>
+                </a:spcAft>
+              </a:pPr>
+              <a:r>
+                <a:rPr sz="1000">
+                  <a:solidFill>
+                    <a:srgbClr val="000000">
+                      <a:alpha val="100000"/>
+                    </a:srgbClr>
+                  </a:solidFill>
+                  <a:latin typeface="Arial"/>
+                  <a:cs typeface="Arial"/>
+                </a:rPr>
+                <a:t>du temps?</a:t>
+              </a:r>
+            </a:p>
+          </p:txBody>
+        </p:sp>
+        <p:sp>
+          <p:nvSpPr>
+            <p:cNvPr id="32" name="tx32"/>
+            <p:cNvSpPr/>
+            <p:nvPr/>
+          </p:nvSpPr>
+          <p:spPr>
+            <a:xfrm>
+              <a:off x="3515586" y="6792626"/>
+              <a:ext cx="1807083" cy="117636"/>
+            </a:xfrm>
+            <a:prstGeom prst="rect">
+              <a:avLst/>
+            </a:prstGeom>
+            <a:noFill/>
+          </p:spPr>
+          <p:txBody>
+            <a:bodyPr lIns="0" rIns="0" tIns="0" bIns="0" anchorCtr="1" anchor="ctr" wrap="none"/>
+            <a:lstStyle/>
+            <a:p>
+              <a:pPr algn="l" marL="0" marR="0" indent="0">
+                <a:lnSpc>
+                  <a:spcPts val="1000"/>
+                </a:lnSpc>
+                <a:spcBef>
+                  <a:spcPts val="0"/>
+                </a:spcBef>
+                <a:spcAft>
+                  <a:spcPts val="0"/>
+                </a:spcAft>
+              </a:pPr>
+              <a:r>
+                <a:rPr sz="1000">
+                  <a:solidFill>
+                    <a:srgbClr val="000000">
+                      <a:alpha val="100000"/>
+                    </a:srgbClr>
+                  </a:solidFill>
+                  <a:latin typeface="Arial"/>
+                  <a:cs typeface="Arial"/>
+                </a:rPr>
+                <a:t>Dans quelle mesure voyez-vous</a:t>
+              </a:r>
+            </a:p>
+          </p:txBody>
+        </p:sp>
+        <p:sp>
+          <p:nvSpPr>
+            <p:cNvPr id="33" name="tx33"/>
+            <p:cNvSpPr/>
+            <p:nvPr/>
+          </p:nvSpPr>
+          <p:spPr>
+            <a:xfrm>
+              <a:off x="3558157" y="6928236"/>
+              <a:ext cx="1721941" cy="119186"/>
+            </a:xfrm>
+            <a:prstGeom prst="rect">
+              <a:avLst/>
+            </a:prstGeom>
+            <a:noFill/>
+          </p:spPr>
+          <p:txBody>
+            <a:bodyPr lIns="0" rIns="0" tIns="0" bIns="0" anchorCtr="1" anchor="ctr" wrap="none"/>
+            <a:lstStyle/>
+            <a:p>
+              <a:pPr algn="l" marL="0" marR="0" indent="0">
+                <a:lnSpc>
+                  <a:spcPts val="1000"/>
+                </a:lnSpc>
+                <a:spcBef>
+                  <a:spcPts val="0"/>
+                </a:spcBef>
+                <a:spcAft>
+                  <a:spcPts val="0"/>
+                </a:spcAft>
+              </a:pPr>
+              <a:r>
+                <a:rPr sz="1000">
+                  <a:solidFill>
+                    <a:srgbClr val="000000">
+                      <a:alpha val="100000"/>
+                    </a:srgbClr>
+                  </a:solidFill>
+                  <a:latin typeface="Arial"/>
+                  <a:cs typeface="Arial"/>
+                </a:rPr>
+                <a:t>le(s) même(s) professionnel(s)</a:t>
+              </a:r>
+            </a:p>
+          </p:txBody>
+        </p:sp>
+        <p:sp>
+          <p:nvSpPr>
+            <p:cNvPr id="34" name="tx34"/>
+            <p:cNvSpPr/>
+            <p:nvPr/>
+          </p:nvSpPr>
+          <p:spPr>
+            <a:xfrm>
+              <a:off x="3811878" y="7067938"/>
+              <a:ext cx="1214499" cy="116644"/>
+            </a:xfrm>
+            <a:prstGeom prst="rect">
+              <a:avLst/>
+            </a:prstGeom>
+            <a:noFill/>
+          </p:spPr>
+          <p:txBody>
+            <a:bodyPr lIns="0" rIns="0" tIns="0" bIns="0" anchorCtr="1" anchor="ctr" wrap="none"/>
+            <a:lstStyle/>
+            <a:p>
+              <a:pPr algn="l" marL="0" marR="0" indent="0">
+                <a:lnSpc>
+                  <a:spcPts val="1000"/>
+                </a:lnSpc>
+                <a:spcBef>
+                  <a:spcPts val="0"/>
+                </a:spcBef>
+                <a:spcAft>
+                  <a:spcPts val="0"/>
+                </a:spcAft>
+              </a:pPr>
+              <a:r>
+                <a:rPr sz="1000">
+                  <a:solidFill>
+                    <a:srgbClr val="000000">
+                      <a:alpha val="100000"/>
+                    </a:srgbClr>
+                  </a:solidFill>
+                  <a:latin typeface="Arial"/>
+                  <a:cs typeface="Arial"/>
+                </a:rPr>
+                <a:t>de santé pendant vos</a:t>
+              </a:r>
+            </a:p>
+          </p:txBody>
+        </p:sp>
+        <p:sp>
+          <p:nvSpPr>
+            <p:cNvPr id="35" name="tx35"/>
+            <p:cNvSpPr/>
+            <p:nvPr/>
+          </p:nvSpPr>
+          <p:spPr>
+            <a:xfrm>
+              <a:off x="3706117" y="7229345"/>
+              <a:ext cx="1426021" cy="92397"/>
+            </a:xfrm>
+            <a:prstGeom prst="rect">
+              <a:avLst/>
+            </a:prstGeom>
+            <a:noFill/>
+          </p:spPr>
+          <p:txBody>
+            <a:bodyPr lIns="0" rIns="0" tIns="0" bIns="0" anchorCtr="1" anchor="ctr" wrap="none"/>
+            <a:lstStyle/>
+            <a:p>
+              <a:pPr algn="l" marL="0" marR="0" indent="0">
+                <a:lnSpc>
+                  <a:spcPts val="1000"/>
+                </a:lnSpc>
+                <a:spcBef>
+                  <a:spcPts val="0"/>
+                </a:spcBef>
+                <a:spcAft>
+                  <a:spcPts val="0"/>
+                </a:spcAft>
+              </a:pPr>
+              <a:r>
+                <a:rPr sz="1000">
+                  <a:solidFill>
+                    <a:srgbClr val="000000">
+                      <a:alpha val="100000"/>
+                    </a:srgbClr>
+                  </a:solidFill>
+                  <a:latin typeface="Arial"/>
+                  <a:cs typeface="Arial"/>
+                </a:rPr>
+                <a:t>rendez-vous ou examens</a:t>
+              </a:r>
+            </a:p>
+          </p:txBody>
+        </p:sp>
+        <p:sp>
+          <p:nvSpPr>
+            <p:cNvPr id="36" name="tx36"/>
+            <p:cNvSpPr/>
+            <p:nvPr/>
+          </p:nvSpPr>
+          <p:spPr>
+            <a:xfrm>
+              <a:off x="4122650" y="7339716"/>
+              <a:ext cx="592956" cy="119186"/>
+            </a:xfrm>
+            <a:prstGeom prst="rect">
+              <a:avLst/>
+            </a:prstGeom>
+            <a:noFill/>
+          </p:spPr>
+          <p:txBody>
+            <a:bodyPr lIns="0" rIns="0" tIns="0" bIns="0" anchorCtr="1" anchor="ctr" wrap="none"/>
+            <a:lstStyle/>
+            <a:p>
+              <a:pPr algn="l" marL="0" marR="0" indent="0">
+                <a:lnSpc>
+                  <a:spcPts val="1000"/>
+                </a:lnSpc>
+                <a:spcBef>
+                  <a:spcPts val="0"/>
+                </a:spcBef>
+                <a:spcAft>
+                  <a:spcPts val="0"/>
+                </a:spcAft>
+              </a:pPr>
+              <a:r>
+                <a:rPr sz="1000">
+                  <a:solidFill>
+                    <a:srgbClr val="000000">
+                      <a:alpha val="100000"/>
+                    </a:srgbClr>
+                  </a:solidFill>
+                  <a:latin typeface="Arial"/>
+                  <a:cs typeface="Arial"/>
+                </a:rPr>
+                <a:t>réguliers ?</a:t>
+              </a:r>
+            </a:p>
+          </p:txBody>
+        </p:sp>
+        <p:sp>
+          <p:nvSpPr>
+            <p:cNvPr id="37" name="rc37"/>
+            <p:cNvSpPr/>
+            <p:nvPr/>
+          </p:nvSpPr>
+          <p:spPr>
+            <a:xfrm>
+              <a:off x="599051" y="7671765"/>
+              <a:ext cx="176849" cy="176849"/>
+            </a:xfrm>
+            <a:prstGeom prst="rect">
+              <a:avLst/>
+            </a:prstGeom>
+            <a:solidFill>
+              <a:srgbClr val="B0BEC5">
+                <a:alpha val="100000"/>
+              </a:srgbClr>
+            </a:solidFill>
           </p:spPr>
           <p:txBody>
             <a:bodyPr/>
@@ -3169,14 +3569,144 @@
         </p:sp>
         <p:sp>
           <p:nvSpPr>
-            <p:cNvPr id="29" name="tx29"/>
-            <p:cNvSpPr/>
-            <p:nvPr/>
-          </p:nvSpPr>
-          <p:spPr>
-            <a:xfrm>
-              <a:off x="924257" y="5883727"/>
-              <a:ext cx="84757" cy="111397"/>
+            <p:cNvPr id="38" name="rc38"/>
+            <p:cNvSpPr/>
+            <p:nvPr/>
+          </p:nvSpPr>
+          <p:spPr>
+            <a:xfrm>
+              <a:off x="599051" y="7955182"/>
+              <a:ext cx="176849" cy="176849"/>
+            </a:xfrm>
+            <a:prstGeom prst="rect">
+              <a:avLst/>
+            </a:prstGeom>
+            <a:solidFill>
+              <a:srgbClr val="2196F3">
+                <a:alpha val="100000"/>
+              </a:srgbClr>
+            </a:solidFill>
+          </p:spPr>
+          <p:txBody>
+            <a:bodyPr/>
+            <a:lstStyle/>
+            <a:p/>
+          </p:txBody>
+        </p:sp>
+        <p:sp>
+          <p:nvSpPr>
+            <p:cNvPr id="39" name="rc39"/>
+            <p:cNvSpPr/>
+            <p:nvPr/>
+          </p:nvSpPr>
+          <p:spPr>
+            <a:xfrm>
+              <a:off x="1779545" y="7671765"/>
+              <a:ext cx="176849" cy="176849"/>
+            </a:xfrm>
+            <a:prstGeom prst="rect">
+              <a:avLst/>
+            </a:prstGeom>
+            <a:solidFill>
+              <a:srgbClr val="8BC34A">
+                <a:alpha val="100000"/>
+              </a:srgbClr>
+            </a:solidFill>
+          </p:spPr>
+          <p:txBody>
+            <a:bodyPr/>
+            <a:lstStyle/>
+            <a:p/>
+          </p:txBody>
+        </p:sp>
+        <p:sp>
+          <p:nvSpPr>
+            <p:cNvPr id="40" name="rc40"/>
+            <p:cNvSpPr/>
+            <p:nvPr/>
+          </p:nvSpPr>
+          <p:spPr>
+            <a:xfrm>
+              <a:off x="1779545" y="7955182"/>
+              <a:ext cx="176849" cy="176849"/>
+            </a:xfrm>
+            <a:prstGeom prst="rect">
+              <a:avLst/>
+            </a:prstGeom>
+            <a:solidFill>
+              <a:srgbClr val="FFC107">
+                <a:alpha val="100000"/>
+              </a:srgbClr>
+            </a:solidFill>
+          </p:spPr>
+          <p:txBody>
+            <a:bodyPr/>
+            <a:lstStyle/>
+            <a:p/>
+          </p:txBody>
+        </p:sp>
+        <p:sp>
+          <p:nvSpPr>
+            <p:cNvPr id="41" name="rc41"/>
+            <p:cNvSpPr/>
+            <p:nvPr/>
+          </p:nvSpPr>
+          <p:spPr>
+            <a:xfrm>
+              <a:off x="2913753" y="7671765"/>
+              <a:ext cx="176849" cy="176849"/>
+            </a:xfrm>
+            <a:prstGeom prst="rect">
+              <a:avLst/>
+            </a:prstGeom>
+            <a:solidFill>
+              <a:srgbClr val="FF9800">
+                <a:alpha val="100000"/>
+              </a:srgbClr>
+            </a:solidFill>
+          </p:spPr>
+          <p:txBody>
+            <a:bodyPr/>
+            <a:lstStyle/>
+            <a:p/>
+          </p:txBody>
+        </p:sp>
+        <p:sp>
+          <p:nvSpPr>
+            <p:cNvPr id="42" name="rc42"/>
+            <p:cNvSpPr/>
+            <p:nvPr/>
+          </p:nvSpPr>
+          <p:spPr>
+            <a:xfrm>
+              <a:off x="2913753" y="7955182"/>
+              <a:ext cx="176849" cy="176849"/>
+            </a:xfrm>
+            <a:prstGeom prst="rect">
+              <a:avLst/>
+            </a:prstGeom>
+            <a:solidFill>
+              <a:srgbClr val="F44336">
+                <a:alpha val="100000"/>
+              </a:srgbClr>
+            </a:solidFill>
+          </p:spPr>
+          <p:txBody>
+            <a:bodyPr/>
+            <a:lstStyle/>
+            <a:p/>
+          </p:txBody>
+        </p:sp>
+        <p:sp>
+          <p:nvSpPr>
+            <p:cNvPr id="43" name="tx43"/>
+            <p:cNvSpPr/>
+            <p:nvPr/>
+          </p:nvSpPr>
+          <p:spPr>
+            <a:xfrm>
+              <a:off x="873468" y="7703858"/>
+              <a:ext cx="808508" cy="110876"/>
             </a:xfrm>
             <a:prstGeom prst="rect">
               <a:avLst/>
@@ -3208,21 +3738,21 @@
                   <a:latin typeface="Arial"/>
                   <a:cs typeface="Arial"/>
                 </a:rPr>
-                <a:t>0</a:t>
+                <a:t>I don't know</a:t>
               </a:r>
             </a:p>
           </p:txBody>
         </p:sp>
         <p:sp>
           <p:nvSpPr>
-            <p:cNvPr id="30" name="tx30"/>
-            <p:cNvSpPr/>
-            <p:nvPr/>
-          </p:nvSpPr>
-          <p:spPr>
-            <a:xfrm>
-              <a:off x="839500" y="4506717"/>
-              <a:ext cx="169515" cy="111397"/>
+            <p:cNvPr id="44" name="tx44"/>
+            <p:cNvSpPr/>
+            <p:nvPr/>
+          </p:nvSpPr>
+          <p:spPr>
+            <a:xfrm>
+              <a:off x="873468" y="7956989"/>
+              <a:ext cx="482724" cy="141163"/>
             </a:xfrm>
             <a:prstGeom prst="rect">
               <a:avLst/>
@@ -3254,21 +3784,21 @@
                   <a:latin typeface="Arial"/>
                   <a:cs typeface="Arial"/>
                 </a:rPr>
-                <a:t>50</a:t>
+                <a:t>Always</a:t>
               </a:r>
             </a:p>
           </p:txBody>
         </p:sp>
         <p:sp>
           <p:nvSpPr>
-            <p:cNvPr id="31" name="tx31"/>
-            <p:cNvSpPr/>
-            <p:nvPr/>
-          </p:nvSpPr>
-          <p:spPr>
-            <a:xfrm>
-              <a:off x="754742" y="3129706"/>
-              <a:ext cx="254272" cy="111397"/>
+            <p:cNvPr id="45" name="tx45"/>
+            <p:cNvSpPr/>
+            <p:nvPr/>
+          </p:nvSpPr>
+          <p:spPr>
+            <a:xfrm>
+              <a:off x="2053962" y="7701849"/>
+              <a:ext cx="372740" cy="112886"/>
             </a:xfrm>
             <a:prstGeom prst="rect">
               <a:avLst/>
@@ -3300,21 +3830,21 @@
                   <a:latin typeface="Arial"/>
                   <a:cs typeface="Arial"/>
                 </a:rPr>
-                <a:t>100</a:t>
+                <a:t>Often</a:t>
               </a:r>
             </a:p>
           </p:txBody>
         </p:sp>
         <p:sp>
           <p:nvSpPr>
-            <p:cNvPr id="32" name="tx32"/>
-            <p:cNvSpPr/>
-            <p:nvPr/>
-          </p:nvSpPr>
-          <p:spPr>
-            <a:xfrm>
-              <a:off x="754742" y="1752696"/>
-              <a:ext cx="254272" cy="111397"/>
+            <p:cNvPr id="46" name="tx46"/>
+            <p:cNvSpPr/>
+            <p:nvPr/>
+          </p:nvSpPr>
+          <p:spPr>
+            <a:xfrm>
+              <a:off x="2053962" y="7985341"/>
+              <a:ext cx="762223" cy="112811"/>
             </a:xfrm>
             <a:prstGeom prst="rect">
               <a:avLst/>
@@ -3346,221 +3876,21 @@
                   <a:latin typeface="Arial"/>
                   <a:cs typeface="Arial"/>
                 </a:rPr>
-                <a:t>150</a:t>
+                <a:t>Sometimes</a:t>
               </a:r>
             </a:p>
           </p:txBody>
         </p:sp>
         <p:sp>
           <p:nvSpPr>
-            <p:cNvPr id="33" name="pl33"/>
-            <p:cNvSpPr/>
-            <p:nvPr/>
-          </p:nvSpPr>
-          <p:spPr>
-            <a:xfrm>
-              <a:off x="1046973" y="5940580"/>
-              <a:ext cx="44283" cy="0"/>
-            </a:xfrm>
-            <a:custGeom>
-              <a:avLst/>
-              <a:pathLst>
-                <a:path w="44283" h="0">
-                  <a:moveTo>
-                    <a:pt x="0" y="0"/>
-                  </a:moveTo>
-                  <a:lnTo>
-                    <a:pt x="44283" y="0"/>
-                  </a:lnTo>
-                </a:path>
-              </a:pathLst>
-            </a:custGeom>
-            <a:ln w="13550" cap="flat">
-              <a:solidFill>
-                <a:srgbClr val="000000">
-                  <a:alpha val="100000"/>
-                </a:srgbClr>
-              </a:solidFill>
-              <a:prstDash val="solid"/>
-              <a:round/>
-            </a:ln>
-          </p:spPr>
-          <p:txBody>
-            <a:bodyPr/>
-            <a:lstStyle/>
-            <a:p/>
-          </p:txBody>
-        </p:sp>
-        <p:sp>
-          <p:nvSpPr>
-            <p:cNvPr id="34" name="pl34"/>
-            <p:cNvSpPr/>
-            <p:nvPr/>
-          </p:nvSpPr>
-          <p:spPr>
-            <a:xfrm>
-              <a:off x="1046973" y="4563569"/>
-              <a:ext cx="44283" cy="0"/>
-            </a:xfrm>
-            <a:custGeom>
-              <a:avLst/>
-              <a:pathLst>
-                <a:path w="44283" h="0">
-                  <a:moveTo>
-                    <a:pt x="0" y="0"/>
-                  </a:moveTo>
-                  <a:lnTo>
-                    <a:pt x="44283" y="0"/>
-                  </a:lnTo>
-                </a:path>
-              </a:pathLst>
-            </a:custGeom>
-            <a:ln w="13550" cap="flat">
-              <a:solidFill>
-                <a:srgbClr val="000000">
-                  <a:alpha val="100000"/>
-                </a:srgbClr>
-              </a:solidFill>
-              <a:prstDash val="solid"/>
-              <a:round/>
-            </a:ln>
-          </p:spPr>
-          <p:txBody>
-            <a:bodyPr/>
-            <a:lstStyle/>
-            <a:p/>
-          </p:txBody>
-        </p:sp>
-        <p:sp>
-          <p:nvSpPr>
-            <p:cNvPr id="35" name="pl35"/>
-            <p:cNvSpPr/>
-            <p:nvPr/>
-          </p:nvSpPr>
-          <p:spPr>
-            <a:xfrm>
-              <a:off x="1046973" y="3186558"/>
-              <a:ext cx="44283" cy="0"/>
-            </a:xfrm>
-            <a:custGeom>
-              <a:avLst/>
-              <a:pathLst>
-                <a:path w="44283" h="0">
-                  <a:moveTo>
-                    <a:pt x="0" y="0"/>
-                  </a:moveTo>
-                  <a:lnTo>
-                    <a:pt x="44283" y="0"/>
-                  </a:lnTo>
-                </a:path>
-              </a:pathLst>
-            </a:custGeom>
-            <a:ln w="13550" cap="flat">
-              <a:solidFill>
-                <a:srgbClr val="000000">
-                  <a:alpha val="100000"/>
-                </a:srgbClr>
-              </a:solidFill>
-              <a:prstDash val="solid"/>
-              <a:round/>
-            </a:ln>
-          </p:spPr>
-          <p:txBody>
-            <a:bodyPr/>
-            <a:lstStyle/>
-            <a:p/>
-          </p:txBody>
-        </p:sp>
-        <p:sp>
-          <p:nvSpPr>
-            <p:cNvPr id="36" name="pl36"/>
-            <p:cNvSpPr/>
-            <p:nvPr/>
-          </p:nvSpPr>
-          <p:spPr>
-            <a:xfrm>
-              <a:off x="1046973" y="1809548"/>
-              <a:ext cx="44283" cy="0"/>
-            </a:xfrm>
-            <a:custGeom>
-              <a:avLst/>
-              <a:pathLst>
-                <a:path w="44283" h="0">
-                  <a:moveTo>
-                    <a:pt x="0" y="0"/>
-                  </a:moveTo>
-                  <a:lnTo>
-                    <a:pt x="44283" y="0"/>
-                  </a:lnTo>
-                </a:path>
-              </a:pathLst>
-            </a:custGeom>
-            <a:ln w="13550" cap="flat">
-              <a:solidFill>
-                <a:srgbClr val="000000">
-                  <a:alpha val="100000"/>
-                </a:srgbClr>
-              </a:solidFill>
-              <a:prstDash val="solid"/>
-              <a:round/>
-            </a:ln>
-          </p:spPr>
-          <p:txBody>
-            <a:bodyPr/>
-            <a:lstStyle/>
-            <a:p/>
-          </p:txBody>
-        </p:sp>
-        <p:sp>
-          <p:nvSpPr>
-            <p:cNvPr id="37" name="pl37"/>
-            <p:cNvSpPr/>
-            <p:nvPr/>
-          </p:nvSpPr>
-          <p:spPr>
-            <a:xfrm>
-              <a:off x="1091256" y="6141623"/>
-              <a:ext cx="4763775" cy="0"/>
-            </a:xfrm>
-            <a:custGeom>
-              <a:avLst/>
-              <a:pathLst>
-                <a:path w="4763775" h="0">
-                  <a:moveTo>
-                    <a:pt x="0" y="0"/>
-                  </a:moveTo>
-                  <a:lnTo>
-                    <a:pt x="4763775" y="0"/>
-                  </a:lnTo>
-                </a:path>
-              </a:pathLst>
-            </a:custGeom>
-            <a:ln w="13550" cap="sq">
-              <a:solidFill>
-                <a:srgbClr val="000000">
-                  <a:alpha val="100000"/>
-                </a:srgbClr>
-              </a:solidFill>
-              <a:prstDash val="solid"/>
-              <a:round/>
-            </a:ln>
-          </p:spPr>
-          <p:txBody>
-            <a:bodyPr/>
-            <a:lstStyle/>
-            <a:p/>
-          </p:txBody>
-        </p:sp>
-        <p:sp>
-          <p:nvSpPr>
-            <p:cNvPr id="38" name="tx38"/>
-            <p:cNvSpPr/>
-            <p:nvPr/>
-          </p:nvSpPr>
-          <p:spPr>
-            <a:xfrm>
-              <a:off x="1479826" y="6191718"/>
-              <a:ext cx="1821284" cy="141237"/>
+            <p:cNvPr id="47" name="tx47"/>
+            <p:cNvSpPr/>
+            <p:nvPr/>
+          </p:nvSpPr>
+          <p:spPr>
+            <a:xfrm>
+              <a:off x="3188171" y="7673572"/>
+              <a:ext cx="440382" cy="141163"/>
             </a:xfrm>
             <a:prstGeom prst="rect">
               <a:avLst/>
@@ -3592,21 +3922,21 @@
                   <a:latin typeface="Arial"/>
                   <a:cs typeface="Arial"/>
                 </a:rPr>
-                <a:t>Considérez-vous que votre</a:t>
+                <a:t>Rarely</a:t>
               </a:r>
             </a:p>
           </p:txBody>
         </p:sp>
         <p:sp>
           <p:nvSpPr>
-            <p:cNvPr id="39" name="tx39"/>
-            <p:cNvSpPr/>
-            <p:nvPr/>
-          </p:nvSpPr>
-          <p:spPr>
-            <a:xfrm>
-              <a:off x="1509331" y="6355789"/>
-              <a:ext cx="1762273" cy="141758"/>
+            <p:cNvPr id="48" name="tx48"/>
+            <p:cNvSpPr/>
+            <p:nvPr/>
+          </p:nvSpPr>
+          <p:spPr>
+            <a:xfrm>
+              <a:off x="3188171" y="7987276"/>
+              <a:ext cx="406524" cy="110876"/>
             </a:xfrm>
             <a:prstGeom prst="rect">
               <a:avLst/>
@@ -3638,866 +3968,20 @@
                   <a:latin typeface="Arial"/>
                   <a:cs typeface="Arial"/>
                 </a:rPr>
-                <a:t>prise en charge a été bien</a:t>
+                <a:t>Never</a:t>
               </a:r>
             </a:p>
           </p:txBody>
         </p:sp>
         <p:sp>
           <p:nvSpPr>
-            <p:cNvPr id="40" name="tx40"/>
-            <p:cNvSpPr/>
-            <p:nvPr/>
-          </p:nvSpPr>
-          <p:spPr>
-            <a:xfrm>
-              <a:off x="1483919" y="6519116"/>
-              <a:ext cx="1813098" cy="143023"/>
-            </a:xfrm>
-            <a:prstGeom prst="rect">
-              <a:avLst/>
-            </a:prstGeom>
-            <a:noFill/>
-          </p:spPr>
-          <p:txBody>
-            <a:bodyPr lIns="0" rIns="0" tIns="0" bIns="0" anchorCtr="1" anchor="ctr" wrap="none"/>
-            <a:lstStyle/>
-            <a:p>
-              <a:pPr algn="l" marL="0" marR="0" indent="0">
-                <a:lnSpc>
-                  <a:spcPts val="1200"/>
-                </a:lnSpc>
-                <a:spcBef>
-                  <a:spcPts val="0"/>
-                </a:spcBef>
-                <a:spcAft>
-                  <a:spcPts val="0"/>
-                </a:spcAft>
-              </a:pPr>
-              <a:r>
-                <a:rPr sz="1200">
-                  <a:solidFill>
-                    <a:srgbClr val="000000">
-                      <a:alpha val="100000"/>
-                    </a:srgbClr>
-                  </a:solidFill>
-                  <a:latin typeface="Arial"/>
-                  <a:cs typeface="Arial"/>
-                </a:rPr>
-                <a:t>organisée et planifiée au fil</a:t>
-              </a:r>
-            </a:p>
-          </p:txBody>
-        </p:sp>
-        <p:sp>
-          <p:nvSpPr>
-            <p:cNvPr id="41" name="tx41"/>
-            <p:cNvSpPr/>
-            <p:nvPr/>
-          </p:nvSpPr>
-          <p:spPr>
-            <a:xfrm>
-              <a:off x="2034657" y="6685494"/>
-              <a:ext cx="711621" cy="141237"/>
-            </a:xfrm>
-            <a:prstGeom prst="rect">
-              <a:avLst/>
-            </a:prstGeom>
-            <a:noFill/>
-          </p:spPr>
-          <p:txBody>
-            <a:bodyPr lIns="0" rIns="0" tIns="0" bIns="0" anchorCtr="1" anchor="ctr" wrap="none"/>
-            <a:lstStyle/>
-            <a:p>
-              <a:pPr algn="l" marL="0" marR="0" indent="0">
-                <a:lnSpc>
-                  <a:spcPts val="1200"/>
-                </a:lnSpc>
-                <a:spcBef>
-                  <a:spcPts val="0"/>
-                </a:spcBef>
-                <a:spcAft>
-                  <a:spcPts val="0"/>
-                </a:spcAft>
-              </a:pPr>
-              <a:r>
-                <a:rPr sz="1200">
-                  <a:solidFill>
-                    <a:srgbClr val="000000">
-                      <a:alpha val="100000"/>
-                    </a:srgbClr>
-                  </a:solidFill>
-                  <a:latin typeface="Arial"/>
-                  <a:cs typeface="Arial"/>
-                </a:rPr>
-                <a:t>du temps?</a:t>
-              </a:r>
-            </a:p>
-          </p:txBody>
-        </p:sp>
-        <p:sp>
-          <p:nvSpPr>
-            <p:cNvPr id="42" name="tx42"/>
-            <p:cNvSpPr/>
-            <p:nvPr/>
-          </p:nvSpPr>
-          <p:spPr>
-            <a:xfrm>
-              <a:off x="3471570" y="6191792"/>
-              <a:ext cx="2168500" cy="141163"/>
-            </a:xfrm>
-            <a:prstGeom prst="rect">
-              <a:avLst/>
-            </a:prstGeom>
-            <a:noFill/>
-          </p:spPr>
-          <p:txBody>
-            <a:bodyPr lIns="0" rIns="0" tIns="0" bIns="0" anchorCtr="1" anchor="ctr" wrap="none"/>
-            <a:lstStyle/>
-            <a:p>
-              <a:pPr algn="l" marL="0" marR="0" indent="0">
-                <a:lnSpc>
-                  <a:spcPts val="1200"/>
-                </a:lnSpc>
-                <a:spcBef>
-                  <a:spcPts val="0"/>
-                </a:spcBef>
-                <a:spcAft>
-                  <a:spcPts val="0"/>
-                </a:spcAft>
-              </a:pPr>
-              <a:r>
-                <a:rPr sz="1200">
-                  <a:solidFill>
-                    <a:srgbClr val="000000">
-                      <a:alpha val="100000"/>
-                    </a:srgbClr>
-                  </a:solidFill>
-                  <a:latin typeface="Arial"/>
-                  <a:cs typeface="Arial"/>
-                </a:rPr>
-                <a:t>Dans quelle mesure voyez-vous</a:t>
-              </a:r>
-            </a:p>
-          </p:txBody>
-        </p:sp>
-        <p:sp>
-          <p:nvSpPr>
-            <p:cNvPr id="43" name="tx43"/>
-            <p:cNvSpPr/>
-            <p:nvPr/>
-          </p:nvSpPr>
-          <p:spPr>
-            <a:xfrm>
-              <a:off x="3522655" y="6354524"/>
-              <a:ext cx="2066329" cy="143023"/>
-            </a:xfrm>
-            <a:prstGeom prst="rect">
-              <a:avLst/>
-            </a:prstGeom>
-            <a:noFill/>
-          </p:spPr>
-          <p:txBody>
-            <a:bodyPr lIns="0" rIns="0" tIns="0" bIns="0" anchorCtr="1" anchor="ctr" wrap="none"/>
-            <a:lstStyle/>
-            <a:p>
-              <a:pPr algn="l" marL="0" marR="0" indent="0">
-                <a:lnSpc>
-                  <a:spcPts val="1200"/>
-                </a:lnSpc>
-                <a:spcBef>
-                  <a:spcPts val="0"/>
-                </a:spcBef>
-                <a:spcAft>
-                  <a:spcPts val="0"/>
-                </a:spcAft>
-              </a:pPr>
-              <a:r>
-                <a:rPr sz="1200">
-                  <a:solidFill>
-                    <a:srgbClr val="000000">
-                      <a:alpha val="100000"/>
-                    </a:srgbClr>
-                  </a:solidFill>
-                  <a:latin typeface="Arial"/>
-                  <a:cs typeface="Arial"/>
-                </a:rPr>
-                <a:t>le(s) même(s) professionnel(s)</a:t>
-              </a:r>
-            </a:p>
-          </p:txBody>
-        </p:sp>
-        <p:sp>
-          <p:nvSpPr>
-            <p:cNvPr id="44" name="tx44"/>
-            <p:cNvSpPr/>
-            <p:nvPr/>
-          </p:nvSpPr>
-          <p:spPr>
-            <a:xfrm>
-              <a:off x="3827121" y="6522167"/>
-              <a:ext cx="1457399" cy="139972"/>
-            </a:xfrm>
-            <a:prstGeom prst="rect">
-              <a:avLst/>
-            </a:prstGeom>
-            <a:noFill/>
-          </p:spPr>
-          <p:txBody>
-            <a:bodyPr lIns="0" rIns="0" tIns="0" bIns="0" anchorCtr="1" anchor="ctr" wrap="none"/>
-            <a:lstStyle/>
-            <a:p>
-              <a:pPr algn="l" marL="0" marR="0" indent="0">
-                <a:lnSpc>
-                  <a:spcPts val="1200"/>
-                </a:lnSpc>
-                <a:spcBef>
-                  <a:spcPts val="0"/>
-                </a:spcBef>
-                <a:spcAft>
-                  <a:spcPts val="0"/>
-                </a:spcAft>
-              </a:pPr>
-              <a:r>
-                <a:rPr sz="1200">
-                  <a:solidFill>
-                    <a:srgbClr val="000000">
-                      <a:alpha val="100000"/>
-                    </a:srgbClr>
-                  </a:solidFill>
-                  <a:latin typeface="Arial"/>
-                  <a:cs typeface="Arial"/>
-                </a:rPr>
-                <a:t>de santé pendant vos</a:t>
-              </a:r>
-            </a:p>
-          </p:txBody>
-        </p:sp>
-        <p:sp>
-          <p:nvSpPr>
-            <p:cNvPr id="45" name="tx45"/>
-            <p:cNvSpPr/>
-            <p:nvPr/>
-          </p:nvSpPr>
-          <p:spPr>
-            <a:xfrm>
-              <a:off x="3700207" y="6715855"/>
-              <a:ext cx="1711225" cy="110876"/>
-            </a:xfrm>
-            <a:prstGeom prst="rect">
-              <a:avLst/>
-            </a:prstGeom>
-            <a:noFill/>
-          </p:spPr>
-          <p:txBody>
-            <a:bodyPr lIns="0" rIns="0" tIns="0" bIns="0" anchorCtr="1" anchor="ctr" wrap="none"/>
-            <a:lstStyle/>
-            <a:p>
-              <a:pPr algn="l" marL="0" marR="0" indent="0">
-                <a:lnSpc>
-                  <a:spcPts val="1200"/>
-                </a:lnSpc>
-                <a:spcBef>
-                  <a:spcPts val="0"/>
-                </a:spcBef>
-                <a:spcAft>
-                  <a:spcPts val="0"/>
-                </a:spcAft>
-              </a:pPr>
-              <a:r>
-                <a:rPr sz="1200">
-                  <a:solidFill>
-                    <a:srgbClr val="000000">
-                      <a:alpha val="100000"/>
-                    </a:srgbClr>
-                  </a:solidFill>
-                  <a:latin typeface="Arial"/>
-                  <a:cs typeface="Arial"/>
-                </a:rPr>
-                <a:t>rendez-vous ou examens</a:t>
-              </a:r>
-            </a:p>
-          </p:txBody>
-        </p:sp>
-        <p:sp>
-          <p:nvSpPr>
-            <p:cNvPr id="46" name="tx46"/>
-            <p:cNvSpPr/>
-            <p:nvPr/>
-          </p:nvSpPr>
-          <p:spPr>
-            <a:xfrm>
-              <a:off x="4200047" y="6848300"/>
-              <a:ext cx="711547" cy="143023"/>
-            </a:xfrm>
-            <a:prstGeom prst="rect">
-              <a:avLst/>
-            </a:prstGeom>
-            <a:noFill/>
-          </p:spPr>
-          <p:txBody>
-            <a:bodyPr lIns="0" rIns="0" tIns="0" bIns="0" anchorCtr="1" anchor="ctr" wrap="none"/>
-            <a:lstStyle/>
-            <a:p>
-              <a:pPr algn="l" marL="0" marR="0" indent="0">
-                <a:lnSpc>
-                  <a:spcPts val="1200"/>
-                </a:lnSpc>
-                <a:spcBef>
-                  <a:spcPts val="0"/>
-                </a:spcBef>
-                <a:spcAft>
-                  <a:spcPts val="0"/>
-                </a:spcAft>
-              </a:pPr>
-              <a:r>
-                <a:rPr sz="1200">
-                  <a:solidFill>
-                    <a:srgbClr val="000000">
-                      <a:alpha val="100000"/>
-                    </a:srgbClr>
-                  </a:solidFill>
-                  <a:latin typeface="Arial"/>
-                  <a:cs typeface="Arial"/>
-                </a:rPr>
-                <a:t>réguliers ?</a:t>
-              </a:r>
-            </a:p>
-          </p:txBody>
-        </p:sp>
-        <p:sp>
-          <p:nvSpPr>
-            <p:cNvPr id="47" name="tx47"/>
-            <p:cNvSpPr/>
-            <p:nvPr/>
-          </p:nvSpPr>
-          <p:spPr>
-            <a:xfrm rot="-5400000">
-              <a:off x="-160440" y="3847755"/>
-              <a:ext cx="1502184" cy="164777"/>
-            </a:xfrm>
-            <a:prstGeom prst="rect">
-              <a:avLst/>
-            </a:prstGeom>
-            <a:noFill/>
-          </p:spPr>
-          <p:txBody>
-            <a:bodyPr lIns="0" rIns="0" tIns="0" bIns="0" anchorCtr="1" anchor="ctr" wrap="none"/>
-            <a:lstStyle/>
-            <a:p>
-              <a:pPr algn="l" marL="0" marR="0" indent="0">
-                <a:lnSpc>
-                  <a:spcPts val="1400"/>
-                </a:lnSpc>
-                <a:spcBef>
-                  <a:spcPts val="0"/>
-                </a:spcBef>
-                <a:spcAft>
-                  <a:spcPts val="0"/>
-                </a:spcAft>
-              </a:pPr>
-              <a:r>
-                <a:rPr sz="1400">
-                  <a:solidFill>
-                    <a:srgbClr val="000000">
-                      <a:alpha val="100000"/>
-                    </a:srgbClr>
-                  </a:solidFill>
-                  <a:latin typeface="Arial"/>
-                  <a:cs typeface="Arial"/>
-                </a:rPr>
-                <a:t>Number of patients</a:t>
-              </a:r>
-            </a:p>
-          </p:txBody>
-        </p:sp>
-        <p:sp>
-          <p:nvSpPr>
-            <p:cNvPr id="48" name="tx48"/>
-            <p:cNvSpPr/>
-            <p:nvPr/>
-          </p:nvSpPr>
-          <p:spPr>
-            <a:xfrm>
-              <a:off x="1091256" y="7426132"/>
-              <a:ext cx="592869" cy="129356"/>
-            </a:xfrm>
-            <a:prstGeom prst="rect">
-              <a:avLst/>
-            </a:prstGeom>
-            <a:noFill/>
-          </p:spPr>
-          <p:txBody>
-            <a:bodyPr lIns="0" rIns="0" tIns="0" bIns="0" anchorCtr="1" anchor="ctr" wrap="none"/>
-            <a:lstStyle/>
-            <a:p>
-              <a:pPr algn="l" marL="0" marR="0" indent="0">
-                <a:lnSpc>
-                  <a:spcPts val="1400"/>
-                </a:lnSpc>
-                <a:spcBef>
-                  <a:spcPts val="0"/>
-                </a:spcBef>
-                <a:spcAft>
-                  <a:spcPts val="0"/>
-                </a:spcAft>
-              </a:pPr>
-              <a:r>
-                <a:rPr sz="1400">
-                  <a:solidFill>
-                    <a:srgbClr val="000000">
-                      <a:alpha val="100000"/>
-                    </a:srgbClr>
-                  </a:solidFill>
-                  <a:latin typeface="Arial"/>
-                  <a:cs typeface="Arial"/>
-                </a:rPr>
-                <a:t>Answer</a:t>
-              </a:r>
-            </a:p>
-          </p:txBody>
-        </p:sp>
-        <p:sp>
-          <p:nvSpPr>
-            <p:cNvPr id="49" name="rc49"/>
-            <p:cNvSpPr/>
-            <p:nvPr/>
-          </p:nvSpPr>
-          <p:spPr>
-            <a:xfrm>
-              <a:off x="1100256" y="7671765"/>
-              <a:ext cx="176849" cy="176849"/>
-            </a:xfrm>
-            <a:prstGeom prst="rect">
-              <a:avLst/>
-            </a:prstGeom>
-            <a:solidFill>
-              <a:srgbClr val="2196F3">
-                <a:alpha val="100000"/>
-              </a:srgbClr>
-            </a:solidFill>
-          </p:spPr>
-          <p:txBody>
-            <a:bodyPr/>
-            <a:lstStyle/>
-            <a:p/>
-          </p:txBody>
-        </p:sp>
-        <p:sp>
-          <p:nvSpPr>
-            <p:cNvPr id="50" name="rc50"/>
-            <p:cNvSpPr/>
-            <p:nvPr/>
-          </p:nvSpPr>
-          <p:spPr>
-            <a:xfrm>
-              <a:off x="1100256" y="7955182"/>
-              <a:ext cx="176849" cy="176849"/>
-            </a:xfrm>
-            <a:prstGeom prst="rect">
-              <a:avLst/>
-            </a:prstGeom>
-            <a:solidFill>
-              <a:srgbClr val="43AA70">
-                <a:alpha val="100000"/>
-              </a:srgbClr>
-            </a:solidFill>
-          </p:spPr>
-          <p:txBody>
-            <a:bodyPr/>
-            <a:lstStyle/>
-            <a:p/>
-          </p:txBody>
-        </p:sp>
-        <p:sp>
-          <p:nvSpPr>
-            <p:cNvPr id="51" name="rc51"/>
-            <p:cNvSpPr/>
-            <p:nvPr/>
-          </p:nvSpPr>
-          <p:spPr>
-            <a:xfrm>
-              <a:off x="2065173" y="7671765"/>
-              <a:ext cx="176849" cy="176849"/>
-            </a:xfrm>
-            <a:prstGeom prst="rect">
-              <a:avLst/>
-            </a:prstGeom>
-            <a:solidFill>
-              <a:srgbClr val="B7B924">
-                <a:alpha val="100000"/>
-              </a:srgbClr>
-            </a:solidFill>
-          </p:spPr>
-          <p:txBody>
-            <a:bodyPr/>
-            <a:lstStyle/>
-            <a:p/>
-          </p:txBody>
-        </p:sp>
-        <p:sp>
-          <p:nvSpPr>
-            <p:cNvPr id="52" name="rc52"/>
-            <p:cNvSpPr/>
-            <p:nvPr/>
-          </p:nvSpPr>
-          <p:spPr>
-            <a:xfrm>
-              <a:off x="2065173" y="7955182"/>
-              <a:ext cx="176849" cy="176849"/>
-            </a:xfrm>
-            <a:prstGeom prst="rect">
-              <a:avLst/>
-            </a:prstGeom>
-            <a:solidFill>
-              <a:srgbClr val="D7834A">
-                <a:alpha val="100000"/>
-              </a:srgbClr>
-            </a:solidFill>
-          </p:spPr>
-          <p:txBody>
-            <a:bodyPr/>
-            <a:lstStyle/>
-            <a:p/>
-          </p:txBody>
-        </p:sp>
-        <p:sp>
-          <p:nvSpPr>
-            <p:cNvPr id="53" name="rc53"/>
-            <p:cNvSpPr/>
-            <p:nvPr/>
-          </p:nvSpPr>
-          <p:spPr>
-            <a:xfrm>
-              <a:off x="3106289" y="7671765"/>
-              <a:ext cx="176849" cy="176849"/>
-            </a:xfrm>
-            <a:prstGeom prst="rect">
-              <a:avLst/>
-            </a:prstGeom>
-            <a:solidFill>
-              <a:srgbClr val="AD2C97">
-                <a:alpha val="100000"/>
-              </a:srgbClr>
-            </a:solidFill>
-          </p:spPr>
-          <p:txBody>
-            <a:bodyPr/>
-            <a:lstStyle/>
-            <a:p/>
-          </p:txBody>
-        </p:sp>
-        <p:sp>
-          <p:nvSpPr>
-            <p:cNvPr id="54" name="rc54"/>
-            <p:cNvSpPr/>
-            <p:nvPr/>
-          </p:nvSpPr>
-          <p:spPr>
-            <a:xfrm>
-              <a:off x="3106289" y="7955182"/>
-              <a:ext cx="176849" cy="176849"/>
-            </a:xfrm>
-            <a:prstGeom prst="rect">
-              <a:avLst/>
-            </a:prstGeom>
-            <a:solidFill>
-              <a:srgbClr val="F44336">
-                <a:alpha val="100000"/>
-              </a:srgbClr>
-            </a:solidFill>
-          </p:spPr>
-          <p:txBody>
-            <a:bodyPr/>
-            <a:lstStyle/>
-            <a:p/>
-          </p:txBody>
-        </p:sp>
-        <p:sp>
-          <p:nvSpPr>
-            <p:cNvPr id="55" name="tx55"/>
-            <p:cNvSpPr/>
-            <p:nvPr/>
-          </p:nvSpPr>
-          <p:spPr>
-            <a:xfrm>
-              <a:off x="1374674" y="7673572"/>
-              <a:ext cx="592931" cy="141163"/>
-            </a:xfrm>
-            <a:prstGeom prst="rect">
-              <a:avLst/>
-            </a:prstGeom>
-            <a:noFill/>
-          </p:spPr>
-          <p:txBody>
-            <a:bodyPr lIns="0" rIns="0" tIns="0" bIns="0" anchorCtr="1" anchor="ctr" wrap="none"/>
-            <a:lstStyle/>
-            <a:p>
-              <a:pPr algn="l" marL="0" marR="0" indent="0">
-                <a:lnSpc>
-                  <a:spcPts val="1200"/>
-                </a:lnSpc>
-                <a:spcBef>
-                  <a:spcPts val="0"/>
-                </a:spcBef>
-                <a:spcAft>
-                  <a:spcPts val="0"/>
-                </a:spcAft>
-              </a:pPr>
-              <a:r>
-                <a:rPr sz="1200">
-                  <a:solidFill>
-                    <a:srgbClr val="000000">
-                      <a:alpha val="100000"/>
-                    </a:srgbClr>
-                  </a:solidFill>
-                  <a:latin typeface="Arial"/>
-                  <a:cs typeface="Arial"/>
-                </a:rPr>
-                <a:t>Toujours</a:t>
-              </a:r>
-            </a:p>
-          </p:txBody>
-        </p:sp>
-        <p:sp>
-          <p:nvSpPr>
-            <p:cNvPr id="56" name="tx56"/>
-            <p:cNvSpPr/>
-            <p:nvPr/>
-          </p:nvSpPr>
-          <p:spPr>
-            <a:xfrm>
-              <a:off x="1374674" y="7985341"/>
-              <a:ext cx="559221" cy="112811"/>
-            </a:xfrm>
-            <a:prstGeom prst="rect">
-              <a:avLst/>
-            </a:prstGeom>
-            <a:noFill/>
-          </p:spPr>
-          <p:txBody>
-            <a:bodyPr lIns="0" rIns="0" tIns="0" bIns="0" anchorCtr="1" anchor="ctr" wrap="none"/>
-            <a:lstStyle/>
-            <a:p>
-              <a:pPr algn="l" marL="0" marR="0" indent="0">
-                <a:lnSpc>
-                  <a:spcPts val="1200"/>
-                </a:lnSpc>
-                <a:spcBef>
-                  <a:spcPts val="0"/>
-                </a:spcBef>
-                <a:spcAft>
-                  <a:spcPts val="0"/>
-                </a:spcAft>
-              </a:pPr>
-              <a:r>
-                <a:rPr sz="1200">
-                  <a:solidFill>
-                    <a:srgbClr val="000000">
-                      <a:alpha val="100000"/>
-                    </a:srgbClr>
-                  </a:solidFill>
-                  <a:latin typeface="Arial"/>
-                  <a:cs typeface="Arial"/>
-                </a:rPr>
-                <a:t>Souvent</a:t>
-              </a:r>
-            </a:p>
-          </p:txBody>
-        </p:sp>
-        <p:sp>
-          <p:nvSpPr>
-            <p:cNvPr id="57" name="tx57"/>
-            <p:cNvSpPr/>
-            <p:nvPr/>
-          </p:nvSpPr>
-          <p:spPr>
-            <a:xfrm>
-              <a:off x="2339590" y="7701998"/>
-              <a:ext cx="474315" cy="112737"/>
-            </a:xfrm>
-            <a:prstGeom prst="rect">
-              <a:avLst/>
-            </a:prstGeom>
-            <a:noFill/>
-          </p:spPr>
-          <p:txBody>
-            <a:bodyPr lIns="0" rIns="0" tIns="0" bIns="0" anchorCtr="1" anchor="ctr" wrap="none"/>
-            <a:lstStyle/>
-            <a:p>
-              <a:pPr algn="l" marL="0" marR="0" indent="0">
-                <a:lnSpc>
-                  <a:spcPts val="1200"/>
-                </a:lnSpc>
-                <a:spcBef>
-                  <a:spcPts val="0"/>
-                </a:spcBef>
-                <a:spcAft>
-                  <a:spcPts val="0"/>
-                </a:spcAft>
-              </a:pPr>
-              <a:r>
-                <a:rPr sz="1200">
-                  <a:solidFill>
-                    <a:srgbClr val="000000">
-                      <a:alpha val="100000"/>
-                    </a:srgbClr>
-                  </a:solidFill>
-                  <a:latin typeface="Arial"/>
-                  <a:cs typeface="Arial"/>
-                </a:rPr>
-                <a:t>Parfois</a:t>
-              </a:r>
-            </a:p>
-          </p:txBody>
-        </p:sp>
-        <p:sp>
-          <p:nvSpPr>
-            <p:cNvPr id="58" name="tx58"/>
-            <p:cNvSpPr/>
-            <p:nvPr/>
-          </p:nvSpPr>
-          <p:spPr>
-            <a:xfrm>
-              <a:off x="2339590" y="7987276"/>
-              <a:ext cx="669131" cy="110876"/>
-            </a:xfrm>
-            <a:prstGeom prst="rect">
-              <a:avLst/>
-            </a:prstGeom>
-            <a:noFill/>
-          </p:spPr>
-          <p:txBody>
-            <a:bodyPr lIns="0" rIns="0" tIns="0" bIns="0" anchorCtr="1" anchor="ctr" wrap="none"/>
-            <a:lstStyle/>
-            <a:p>
-              <a:pPr algn="l" marL="0" marR="0" indent="0">
-                <a:lnSpc>
-                  <a:spcPts val="1200"/>
-                </a:lnSpc>
-                <a:spcBef>
-                  <a:spcPts val="0"/>
-                </a:spcBef>
-                <a:spcAft>
-                  <a:spcPts val="0"/>
-                </a:spcAft>
-              </a:pPr>
-              <a:r>
-                <a:rPr sz="1200">
-                  <a:solidFill>
-                    <a:srgbClr val="000000">
-                      <a:alpha val="100000"/>
-                    </a:srgbClr>
-                  </a:solidFill>
-                  <a:latin typeface="Arial"/>
-                  <a:cs typeface="Arial"/>
-                </a:rPr>
-                <a:t>Rarement</a:t>
-              </a:r>
-            </a:p>
-          </p:txBody>
-        </p:sp>
-        <p:sp>
-          <p:nvSpPr>
-            <p:cNvPr id="59" name="tx59"/>
-            <p:cNvSpPr/>
-            <p:nvPr/>
-          </p:nvSpPr>
-          <p:spPr>
-            <a:xfrm>
-              <a:off x="3380706" y="7703784"/>
-              <a:ext cx="482724" cy="110951"/>
-            </a:xfrm>
-            <a:prstGeom prst="rect">
-              <a:avLst/>
-            </a:prstGeom>
-            <a:noFill/>
-          </p:spPr>
-          <p:txBody>
-            <a:bodyPr lIns="0" rIns="0" tIns="0" bIns="0" anchorCtr="1" anchor="ctr" wrap="none"/>
-            <a:lstStyle/>
-            <a:p>
-              <a:pPr algn="l" marL="0" marR="0" indent="0">
-                <a:lnSpc>
-                  <a:spcPts val="1200"/>
-                </a:lnSpc>
-                <a:spcBef>
-                  <a:spcPts val="0"/>
-                </a:spcBef>
-                <a:spcAft>
-                  <a:spcPts val="0"/>
-                </a:spcAft>
-              </a:pPr>
-              <a:r>
-                <a:rPr sz="1200">
-                  <a:solidFill>
-                    <a:srgbClr val="000000">
-                      <a:alpha val="100000"/>
-                    </a:srgbClr>
-                  </a:solidFill>
-                  <a:latin typeface="Arial"/>
-                  <a:cs typeface="Arial"/>
-                </a:rPr>
-                <a:t>Jamais</a:t>
-              </a:r>
-            </a:p>
-          </p:txBody>
-        </p:sp>
-        <p:sp>
-          <p:nvSpPr>
-            <p:cNvPr id="60" name="tx60"/>
-            <p:cNvSpPr/>
-            <p:nvPr/>
-          </p:nvSpPr>
-          <p:spPr>
-            <a:xfrm>
-              <a:off x="3380706" y="7958775"/>
-              <a:ext cx="974228" cy="139377"/>
-            </a:xfrm>
-            <a:prstGeom prst="rect">
-              <a:avLst/>
-            </a:prstGeom>
-            <a:noFill/>
-          </p:spPr>
-          <p:txBody>
-            <a:bodyPr lIns="0" rIns="0" tIns="0" bIns="0" anchorCtr="1" anchor="ctr" wrap="none"/>
-            <a:lstStyle/>
-            <a:p>
-              <a:pPr algn="l" marL="0" marR="0" indent="0">
-                <a:lnSpc>
-                  <a:spcPts val="1200"/>
-                </a:lnSpc>
-                <a:spcBef>
-                  <a:spcPts val="0"/>
-                </a:spcBef>
-                <a:spcAft>
-                  <a:spcPts val="0"/>
-                </a:spcAft>
-              </a:pPr>
-              <a:r>
-                <a:rPr sz="1200">
-                  <a:solidFill>
-                    <a:srgbClr val="000000">
-                      <a:alpha val="100000"/>
-                    </a:srgbClr>
-                  </a:solidFill>
-                  <a:latin typeface="Arial"/>
-                  <a:cs typeface="Arial"/>
-                </a:rPr>
-                <a:t>Je ne sais pas</a:t>
-              </a:r>
-            </a:p>
-          </p:txBody>
-        </p:sp>
-        <p:sp>
-          <p:nvSpPr>
-            <p:cNvPr id="61" name="tx61"/>
-            <p:cNvSpPr/>
-            <p:nvPr/>
-          </p:nvSpPr>
-          <p:spPr>
-            <a:xfrm>
-              <a:off x="1091256" y="957724"/>
+            <p:cNvPr id="49" name="tx49"/>
+            <p:cNvSpPr/>
+            <p:nvPr/>
+          </p:nvSpPr>
+          <p:spPr>
+            <a:xfrm>
+              <a:off x="590051" y="957724"/>
               <a:ext cx="3420963" cy="190698"/>
             </a:xfrm>
             <a:prstGeom prst="rect">
@@ -4537,13 +4021,13 @@
         </p:sp>
         <p:sp>
           <p:nvSpPr>
-            <p:cNvPr id="62" name="tx62"/>
-            <p:cNvSpPr/>
-            <p:nvPr/>
-          </p:nvSpPr>
-          <p:spPr>
-            <a:xfrm>
-              <a:off x="1091256" y="1217562"/>
+            <p:cNvPr id="50" name="tx50"/>
+            <p:cNvSpPr/>
+            <p:nvPr/>
+          </p:nvSpPr>
+          <p:spPr>
+            <a:xfrm>
+              <a:off x="590051" y="1217562"/>
               <a:ext cx="3489721" cy="150316"/>
             </a:xfrm>
             <a:prstGeom prst="rect">
@@ -4583,13 +4067,13 @@
         </p:sp>
         <p:sp>
           <p:nvSpPr>
-            <p:cNvPr id="63" name="tx63"/>
-            <p:cNvSpPr/>
-            <p:nvPr/>
-          </p:nvSpPr>
-          <p:spPr>
-            <a:xfrm>
-              <a:off x="1091256" y="1396636"/>
+            <p:cNvPr id="51" name="tx51"/>
+            <p:cNvSpPr/>
+            <p:nvPr/>
+          </p:nvSpPr>
+          <p:spPr>
+            <a:xfrm>
+              <a:off x="590051" y="1396636"/>
               <a:ext cx="2840235" cy="190698"/>
             </a:xfrm>
             <a:prstGeom prst="rect">

--- a/results/figures/pptx/care_organization_experience.pptx
+++ b/results/figures/pptx/care_organization_experience.pptx
@@ -2272,7 +2272,7 @@
           <p:spPr>
             <a:xfrm>
               <a:off x="949027" y="1946776"/>
-              <a:ext cx="2153855" cy="93744"/>
+              <a:ext cx="2153855" cy="158410"/>
             </a:xfrm>
             <a:prstGeom prst="rect">
               <a:avLst/>
@@ -2297,8 +2297,8 @@
           </p:nvSpPr>
           <p:spPr>
             <a:xfrm>
-              <a:off x="949027" y="2040521"/>
-              <a:ext cx="2153855" cy="749954"/>
+              <a:off x="949027" y="2105187"/>
+              <a:ext cx="2153855" cy="760370"/>
             </a:xfrm>
             <a:prstGeom prst="rect">
               <a:avLst/>
@@ -2323,8 +2323,8 @@
           </p:nvSpPr>
           <p:spPr>
             <a:xfrm>
-              <a:off x="949027" y="2790475"/>
-              <a:ext cx="2153855" cy="1749894"/>
+              <a:off x="949027" y="2865558"/>
+              <a:ext cx="2153855" cy="1679151"/>
             </a:xfrm>
             <a:prstGeom prst="rect">
               <a:avLst/>
@@ -2349,8 +2349,8 @@
           </p:nvSpPr>
           <p:spPr>
             <a:xfrm>
-              <a:off x="949027" y="4540369"/>
-              <a:ext cx="2153855" cy="1062435"/>
+              <a:off x="949027" y="4544709"/>
+              <a:ext cx="2153855" cy="1045509"/>
             </a:xfrm>
             <a:prstGeom prst="rect">
               <a:avLst/>
@@ -2375,8 +2375,8 @@
           </p:nvSpPr>
           <p:spPr>
             <a:xfrm>
-              <a:off x="949027" y="5602805"/>
-              <a:ext cx="2153855" cy="749954"/>
+              <a:off x="949027" y="5590219"/>
+              <a:ext cx="2153855" cy="760370"/>
             </a:xfrm>
             <a:prstGeom prst="rect">
               <a:avLst/>
@@ -2401,8 +2401,8 @@
           </p:nvSpPr>
           <p:spPr>
             <a:xfrm>
-              <a:off x="949027" y="6352760"/>
-              <a:ext cx="2153855" cy="156240"/>
+              <a:off x="949027" y="6350590"/>
+              <a:ext cx="2153855" cy="158410"/>
             </a:xfrm>
             <a:prstGeom prst="rect">
               <a:avLst/>
@@ -2428,7 +2428,7 @@
           <p:spPr>
             <a:xfrm>
               <a:off x="3342200" y="1946776"/>
-              <a:ext cx="2153855" cy="93744"/>
+              <a:ext cx="2153855" cy="126728"/>
             </a:xfrm>
             <a:prstGeom prst="rect">
               <a:avLst/>
@@ -2453,8 +2453,8 @@
           </p:nvSpPr>
           <p:spPr>
             <a:xfrm>
-              <a:off x="3342200" y="2040521"/>
-              <a:ext cx="2153855" cy="2156119"/>
+              <a:off x="3342200" y="2073505"/>
+              <a:ext cx="2153855" cy="2091019"/>
             </a:xfrm>
             <a:prstGeom prst="rect">
               <a:avLst/>
@@ -2479,8 +2479,8 @@
           </p:nvSpPr>
           <p:spPr>
             <a:xfrm>
-              <a:off x="3342200" y="4196640"/>
-              <a:ext cx="2153855" cy="1749894"/>
+              <a:off x="3342200" y="4164524"/>
+              <a:ext cx="2153855" cy="1805880"/>
             </a:xfrm>
             <a:prstGeom prst="rect">
               <a:avLst/>
@@ -2505,8 +2505,8 @@
           </p:nvSpPr>
           <p:spPr>
             <a:xfrm>
-              <a:off x="3342200" y="5946534"/>
-              <a:ext cx="2153855" cy="249984"/>
+              <a:off x="3342200" y="5970404"/>
+              <a:ext cx="2153855" cy="221774"/>
             </a:xfrm>
             <a:prstGeom prst="rect">
               <a:avLst/>
@@ -2531,8 +2531,8 @@
           </p:nvSpPr>
           <p:spPr>
             <a:xfrm>
-              <a:off x="3342200" y="6196519"/>
-              <a:ext cx="2153855" cy="187488"/>
+              <a:off x="3342200" y="6192179"/>
+              <a:ext cx="2153855" cy="190092"/>
             </a:xfrm>
             <a:prstGeom prst="rect">
               <a:avLst/>
@@ -2557,8 +2557,8 @@
           </p:nvSpPr>
           <p:spPr>
             <a:xfrm>
-              <a:off x="3342200" y="6384008"/>
-              <a:ext cx="2153855" cy="124992"/>
+              <a:off x="3342200" y="6382272"/>
+              <a:ext cx="2153855" cy="126728"/>
             </a:xfrm>
             <a:prstGeom prst="rect">
               <a:avLst/>
@@ -2583,237 +2583,7 @@
           </p:nvSpPr>
           <p:spPr>
             <a:xfrm>
-              <a:off x="1813097" y="1909734"/>
-              <a:ext cx="425715" cy="135647"/>
-            </a:xfrm>
-            <a:prstGeom prst="rect">
-              <a:avLst/>
-            </a:prstGeom>
-            <a:noFill/>
-          </p:spPr>
-          <p:txBody>
-            <a:bodyPr lIns="0" rIns="0" tIns="0" bIns="0" anchorCtr="1" anchor="ctr" wrap="none"/>
-            <a:lstStyle/>
-            <a:p>
-              <a:pPr algn="l" marL="0" marR="0" indent="0">
-                <a:lnSpc>
-                  <a:spcPts val="1138"/>
-                </a:lnSpc>
-                <a:spcBef>
-                  <a:spcPts val="0"/>
-                </a:spcBef>
-                <a:spcAft>
-                  <a:spcPts val="0"/>
-                </a:spcAft>
-              </a:pPr>
-              <a:r>
-                <a:rPr sz="1138">
-                  <a:solidFill>
-                    <a:srgbClr val="000000">
-                      <a:alpha val="100000"/>
-                    </a:srgbClr>
-                  </a:solidFill>
-                  <a:latin typeface="Arial"/>
-                  <a:cs typeface="Arial"/>
-                </a:rPr>
-                <a:t>3 (2%)</a:t>
-              </a:r>
-            </a:p>
-          </p:txBody>
-        </p:sp>
-        <p:sp>
-          <p:nvSpPr>
-            <p:cNvPr id="17" name="tx17"/>
-            <p:cNvSpPr/>
-            <p:nvPr/>
-          </p:nvSpPr>
-          <p:spPr>
-            <a:xfrm>
-              <a:off x="1732711" y="2331583"/>
-              <a:ext cx="586487" cy="135647"/>
-            </a:xfrm>
-            <a:prstGeom prst="rect">
-              <a:avLst/>
-            </a:prstGeom>
-            <a:noFill/>
-          </p:spPr>
-          <p:txBody>
-            <a:bodyPr lIns="0" rIns="0" tIns="0" bIns="0" anchorCtr="1" anchor="ctr" wrap="none"/>
-            <a:lstStyle/>
-            <a:p>
-              <a:pPr algn="l" marL="0" marR="0" indent="0">
-                <a:lnSpc>
-                  <a:spcPts val="1138"/>
-                </a:lnSpc>
-                <a:spcBef>
-                  <a:spcPts val="0"/>
-                </a:spcBef>
-                <a:spcAft>
-                  <a:spcPts val="0"/>
-                </a:spcAft>
-              </a:pPr>
-              <a:r>
-                <a:rPr sz="1138">
-                  <a:solidFill>
-                    <a:srgbClr val="000000">
-                      <a:alpha val="100000"/>
-                    </a:srgbClr>
-                  </a:solidFill>
-                  <a:latin typeface="Arial"/>
-                  <a:cs typeface="Arial"/>
-                </a:rPr>
-                <a:t>24 (16%)</a:t>
-              </a:r>
-            </a:p>
-          </p:txBody>
-        </p:sp>
-        <p:sp>
-          <p:nvSpPr>
-            <p:cNvPr id="18" name="tx18"/>
-            <p:cNvSpPr/>
-            <p:nvPr/>
-          </p:nvSpPr>
-          <p:spPr>
-            <a:xfrm>
-              <a:off x="1732711" y="3581507"/>
-              <a:ext cx="586487" cy="135647"/>
-            </a:xfrm>
-            <a:prstGeom prst="rect">
-              <a:avLst/>
-            </a:prstGeom>
-            <a:noFill/>
-          </p:spPr>
-          <p:txBody>
-            <a:bodyPr lIns="0" rIns="0" tIns="0" bIns="0" anchorCtr="1" anchor="ctr" wrap="none"/>
-            <a:lstStyle/>
-            <a:p>
-              <a:pPr algn="l" marL="0" marR="0" indent="0">
-                <a:lnSpc>
-                  <a:spcPts val="1138"/>
-                </a:lnSpc>
-                <a:spcBef>
-                  <a:spcPts val="0"/>
-                </a:spcBef>
-                <a:spcAft>
-                  <a:spcPts val="0"/>
-                </a:spcAft>
-              </a:pPr>
-              <a:r>
-                <a:rPr sz="1138">
-                  <a:solidFill>
-                    <a:srgbClr val="000000">
-                      <a:alpha val="100000"/>
-                    </a:srgbClr>
-                  </a:solidFill>
-                  <a:latin typeface="Arial"/>
-                  <a:cs typeface="Arial"/>
-                </a:rPr>
-                <a:t>56 (38%)</a:t>
-              </a:r>
-            </a:p>
-          </p:txBody>
-        </p:sp>
-        <p:sp>
-          <p:nvSpPr>
-            <p:cNvPr id="19" name="tx19"/>
-            <p:cNvSpPr/>
-            <p:nvPr/>
-          </p:nvSpPr>
-          <p:spPr>
-            <a:xfrm>
-              <a:off x="1732711" y="4987672"/>
-              <a:ext cx="586487" cy="135647"/>
-            </a:xfrm>
-            <a:prstGeom prst="rect">
-              <a:avLst/>
-            </a:prstGeom>
-            <a:noFill/>
-          </p:spPr>
-          <p:txBody>
-            <a:bodyPr lIns="0" rIns="0" tIns="0" bIns="0" anchorCtr="1" anchor="ctr" wrap="none"/>
-            <a:lstStyle/>
-            <a:p>
-              <a:pPr algn="l" marL="0" marR="0" indent="0">
-                <a:lnSpc>
-                  <a:spcPts val="1138"/>
-                </a:lnSpc>
-                <a:spcBef>
-                  <a:spcPts val="0"/>
-                </a:spcBef>
-                <a:spcAft>
-                  <a:spcPts val="0"/>
-                </a:spcAft>
-              </a:pPr>
-              <a:r>
-                <a:rPr sz="1138">
-                  <a:solidFill>
-                    <a:srgbClr val="000000">
-                      <a:alpha val="100000"/>
-                    </a:srgbClr>
-                  </a:solidFill>
-                  <a:latin typeface="Arial"/>
-                  <a:cs typeface="Arial"/>
-                </a:rPr>
-                <a:t>34 (23%)</a:t>
-              </a:r>
-            </a:p>
-          </p:txBody>
-        </p:sp>
-        <p:sp>
-          <p:nvSpPr>
-            <p:cNvPr id="20" name="tx20"/>
-            <p:cNvSpPr/>
-            <p:nvPr/>
-          </p:nvSpPr>
-          <p:spPr>
-            <a:xfrm>
-              <a:off x="1732711" y="5893867"/>
-              <a:ext cx="586487" cy="135647"/>
-            </a:xfrm>
-            <a:prstGeom prst="rect">
-              <a:avLst/>
-            </a:prstGeom>
-            <a:noFill/>
-          </p:spPr>
-          <p:txBody>
-            <a:bodyPr lIns="0" rIns="0" tIns="0" bIns="0" anchorCtr="1" anchor="ctr" wrap="none"/>
-            <a:lstStyle/>
-            <a:p>
-              <a:pPr algn="l" marL="0" marR="0" indent="0">
-                <a:lnSpc>
-                  <a:spcPts val="1138"/>
-                </a:lnSpc>
-                <a:spcBef>
-                  <a:spcPts val="0"/>
-                </a:spcBef>
-                <a:spcAft>
-                  <a:spcPts val="0"/>
-                </a:spcAft>
-              </a:pPr>
-              <a:r>
-                <a:rPr sz="1138">
-                  <a:solidFill>
-                    <a:srgbClr val="000000">
-                      <a:alpha val="100000"/>
-                    </a:srgbClr>
-                  </a:solidFill>
-                  <a:latin typeface="Arial"/>
-                  <a:cs typeface="Arial"/>
-                </a:rPr>
-                <a:t>24 (16%)</a:t>
-              </a:r>
-            </a:p>
-          </p:txBody>
-        </p:sp>
-        <p:sp>
-          <p:nvSpPr>
-            <p:cNvPr id="21" name="tx21"/>
-            <p:cNvSpPr/>
-            <p:nvPr/>
-          </p:nvSpPr>
-          <p:spPr>
-            <a:xfrm>
-              <a:off x="1813097" y="6346965"/>
+              <a:off x="1813097" y="1942067"/>
               <a:ext cx="425715" cy="135647"/>
             </a:xfrm>
             <a:prstGeom prst="rect">
@@ -2853,14 +2623,14 @@
         </p:sp>
         <p:sp>
           <p:nvSpPr>
-            <p:cNvPr id="22" name="tx22"/>
-            <p:cNvSpPr/>
-            <p:nvPr/>
-          </p:nvSpPr>
-          <p:spPr>
-            <a:xfrm>
-              <a:off x="4206270" y="1909734"/>
-              <a:ext cx="425715" cy="135647"/>
+            <p:cNvPr id="17" name="tx17"/>
+            <p:cNvSpPr/>
+            <p:nvPr/>
+          </p:nvSpPr>
+          <p:spPr>
+            <a:xfrm>
+              <a:off x="1732711" y="2401457"/>
+              <a:ext cx="586487" cy="135647"/>
             </a:xfrm>
             <a:prstGeom prst="rect">
               <a:avLst/>
@@ -2892,20 +2662,20 @@
                   <a:latin typeface="Arial"/>
                   <a:cs typeface="Arial"/>
                 </a:rPr>
-                <a:t>3 (2%)</a:t>
+                <a:t>24 (17%)</a:t>
               </a:r>
             </a:p>
           </p:txBody>
         </p:sp>
         <p:sp>
           <p:nvSpPr>
-            <p:cNvPr id="23" name="tx23"/>
-            <p:cNvSpPr/>
-            <p:nvPr/>
-          </p:nvSpPr>
-          <p:spPr>
-            <a:xfrm>
-              <a:off x="4125884" y="3034665"/>
+            <p:cNvPr id="18" name="tx18"/>
+            <p:cNvSpPr/>
+            <p:nvPr/>
+          </p:nvSpPr>
+          <p:spPr>
+            <a:xfrm>
+              <a:off x="1732711" y="3621218"/>
               <a:ext cx="586487" cy="135647"/>
             </a:xfrm>
             <a:prstGeom prst="rect">
@@ -2938,20 +2708,20 @@
                   <a:latin typeface="Arial"/>
                   <a:cs typeface="Arial"/>
                 </a:rPr>
-                <a:t>69 (47%)</a:t>
+                <a:t>53 (37%)</a:t>
               </a:r>
             </a:p>
           </p:txBody>
         </p:sp>
         <p:sp>
           <p:nvSpPr>
-            <p:cNvPr id="24" name="tx24"/>
-            <p:cNvSpPr/>
-            <p:nvPr/>
-          </p:nvSpPr>
-          <p:spPr>
-            <a:xfrm>
-              <a:off x="4125884" y="4987672"/>
+            <p:cNvPr id="19" name="tx19"/>
+            <p:cNvSpPr/>
+            <p:nvPr/>
+          </p:nvSpPr>
+          <p:spPr>
+            <a:xfrm>
+              <a:off x="1732711" y="4983549"/>
               <a:ext cx="586487" cy="135647"/>
             </a:xfrm>
             <a:prstGeom prst="rect">
@@ -2984,21 +2754,21 @@
                   <a:latin typeface="Arial"/>
                   <a:cs typeface="Arial"/>
                 </a:rPr>
-                <a:t>56 (38%)</a:t>
+                <a:t>33 (23%)</a:t>
               </a:r>
             </a:p>
           </p:txBody>
         </p:sp>
         <p:sp>
           <p:nvSpPr>
-            <p:cNvPr id="25" name="tx25"/>
-            <p:cNvSpPr/>
-            <p:nvPr/>
-          </p:nvSpPr>
-          <p:spPr>
-            <a:xfrm>
-              <a:off x="4206270" y="5987612"/>
-              <a:ext cx="425715" cy="135647"/>
+            <p:cNvPr id="20" name="tx20"/>
+            <p:cNvSpPr/>
+            <p:nvPr/>
+          </p:nvSpPr>
+          <p:spPr>
+            <a:xfrm>
+              <a:off x="1732711" y="5886489"/>
+              <a:ext cx="586487" cy="135647"/>
             </a:xfrm>
             <a:prstGeom prst="rect">
               <a:avLst/>
@@ -3030,20 +2800,250 @@
                   <a:latin typeface="Arial"/>
                   <a:cs typeface="Arial"/>
                 </a:rPr>
-                <a:t>8 (5%)</a:t>
+                <a:t>24 (17%)</a:t>
               </a:r>
             </a:p>
           </p:txBody>
         </p:sp>
         <p:sp>
           <p:nvSpPr>
+            <p:cNvPr id="21" name="tx21"/>
+            <p:cNvSpPr/>
+            <p:nvPr/>
+          </p:nvSpPr>
+          <p:spPr>
+            <a:xfrm>
+              <a:off x="1813097" y="6345880"/>
+              <a:ext cx="425715" cy="135647"/>
+            </a:xfrm>
+            <a:prstGeom prst="rect">
+              <a:avLst/>
+            </a:prstGeom>
+            <a:noFill/>
+          </p:spPr>
+          <p:txBody>
+            <a:bodyPr lIns="0" rIns="0" tIns="0" bIns="0" anchorCtr="1" anchor="ctr" wrap="none"/>
+            <a:lstStyle/>
+            <a:p>
+              <a:pPr algn="l" marL="0" marR="0" indent="0">
+                <a:lnSpc>
+                  <a:spcPts val="1138"/>
+                </a:lnSpc>
+                <a:spcBef>
+                  <a:spcPts val="0"/>
+                </a:spcBef>
+                <a:spcAft>
+                  <a:spcPts val="0"/>
+                </a:spcAft>
+              </a:pPr>
+              <a:r>
+                <a:rPr sz="1138">
+                  <a:solidFill>
+                    <a:srgbClr val="000000">
+                      <a:alpha val="100000"/>
+                    </a:srgbClr>
+                  </a:solidFill>
+                  <a:latin typeface="Arial"/>
+                  <a:cs typeface="Arial"/>
+                </a:rPr>
+                <a:t>5 (3%)</a:t>
+              </a:r>
+            </a:p>
+          </p:txBody>
+        </p:sp>
+        <p:sp>
+          <p:nvSpPr>
+            <p:cNvPr id="22" name="tx22"/>
+            <p:cNvSpPr/>
+            <p:nvPr/>
+          </p:nvSpPr>
+          <p:spPr>
+            <a:xfrm>
+              <a:off x="4206270" y="1926226"/>
+              <a:ext cx="425715" cy="135647"/>
+            </a:xfrm>
+            <a:prstGeom prst="rect">
+              <a:avLst/>
+            </a:prstGeom>
+            <a:noFill/>
+          </p:spPr>
+          <p:txBody>
+            <a:bodyPr lIns="0" rIns="0" tIns="0" bIns="0" anchorCtr="1" anchor="ctr" wrap="none"/>
+            <a:lstStyle/>
+            <a:p>
+              <a:pPr algn="l" marL="0" marR="0" indent="0">
+                <a:lnSpc>
+                  <a:spcPts val="1138"/>
+                </a:lnSpc>
+                <a:spcBef>
+                  <a:spcPts val="0"/>
+                </a:spcBef>
+                <a:spcAft>
+                  <a:spcPts val="0"/>
+                </a:spcAft>
+              </a:pPr>
+              <a:r>
+                <a:rPr sz="1138">
+                  <a:solidFill>
+                    <a:srgbClr val="000000">
+                      <a:alpha val="100000"/>
+                    </a:srgbClr>
+                  </a:solidFill>
+                  <a:latin typeface="Arial"/>
+                  <a:cs typeface="Arial"/>
+                </a:rPr>
+                <a:t>4 (3%)</a:t>
+              </a:r>
+            </a:p>
+          </p:txBody>
+        </p:sp>
+        <p:sp>
+          <p:nvSpPr>
+            <p:cNvPr id="23" name="tx23"/>
+            <p:cNvSpPr/>
+            <p:nvPr/>
+          </p:nvSpPr>
+          <p:spPr>
+            <a:xfrm>
+              <a:off x="4125884" y="3035099"/>
+              <a:ext cx="586487" cy="135647"/>
+            </a:xfrm>
+            <a:prstGeom prst="rect">
+              <a:avLst/>
+            </a:prstGeom>
+            <a:noFill/>
+          </p:spPr>
+          <p:txBody>
+            <a:bodyPr lIns="0" rIns="0" tIns="0" bIns="0" anchorCtr="1" anchor="ctr" wrap="none"/>
+            <a:lstStyle/>
+            <a:p>
+              <a:pPr algn="l" marL="0" marR="0" indent="0">
+                <a:lnSpc>
+                  <a:spcPts val="1138"/>
+                </a:lnSpc>
+                <a:spcBef>
+                  <a:spcPts val="0"/>
+                </a:spcBef>
+                <a:spcAft>
+                  <a:spcPts val="0"/>
+                </a:spcAft>
+              </a:pPr>
+              <a:r>
+                <a:rPr sz="1138">
+                  <a:solidFill>
+                    <a:srgbClr val="000000">
+                      <a:alpha val="100000"/>
+                    </a:srgbClr>
+                  </a:solidFill>
+                  <a:latin typeface="Arial"/>
+                  <a:cs typeface="Arial"/>
+                </a:rPr>
+                <a:t>66 (46%)</a:t>
+              </a:r>
+            </a:p>
+          </p:txBody>
+        </p:sp>
+        <p:sp>
+          <p:nvSpPr>
+            <p:cNvPr id="24" name="tx24"/>
+            <p:cNvSpPr/>
+            <p:nvPr/>
+          </p:nvSpPr>
+          <p:spPr>
+            <a:xfrm>
+              <a:off x="4125884" y="4983549"/>
+              <a:ext cx="586487" cy="135647"/>
+            </a:xfrm>
+            <a:prstGeom prst="rect">
+              <a:avLst/>
+            </a:prstGeom>
+            <a:noFill/>
+          </p:spPr>
+          <p:txBody>
+            <a:bodyPr lIns="0" rIns="0" tIns="0" bIns="0" anchorCtr="1" anchor="ctr" wrap="none"/>
+            <a:lstStyle/>
+            <a:p>
+              <a:pPr algn="l" marL="0" marR="0" indent="0">
+                <a:lnSpc>
+                  <a:spcPts val="1138"/>
+                </a:lnSpc>
+                <a:spcBef>
+                  <a:spcPts val="0"/>
+                </a:spcBef>
+                <a:spcAft>
+                  <a:spcPts val="0"/>
+                </a:spcAft>
+              </a:pPr>
+              <a:r>
+                <a:rPr sz="1138">
+                  <a:solidFill>
+                    <a:srgbClr val="000000">
+                      <a:alpha val="100000"/>
+                    </a:srgbClr>
+                  </a:solidFill>
+                  <a:latin typeface="Arial"/>
+                  <a:cs typeface="Arial"/>
+                </a:rPr>
+                <a:t>57 (40%)</a:t>
+              </a:r>
+            </a:p>
+          </p:txBody>
+        </p:sp>
+        <p:sp>
+          <p:nvSpPr>
+            <p:cNvPr id="25" name="tx25"/>
+            <p:cNvSpPr/>
+            <p:nvPr/>
+          </p:nvSpPr>
+          <p:spPr>
+            <a:xfrm>
+              <a:off x="4206270" y="5997377"/>
+              <a:ext cx="425715" cy="135647"/>
+            </a:xfrm>
+            <a:prstGeom prst="rect">
+              <a:avLst/>
+            </a:prstGeom>
+            <a:noFill/>
+          </p:spPr>
+          <p:txBody>
+            <a:bodyPr lIns="0" rIns="0" tIns="0" bIns="0" anchorCtr="1" anchor="ctr" wrap="none"/>
+            <a:lstStyle/>
+            <a:p>
+              <a:pPr algn="l" marL="0" marR="0" indent="0">
+                <a:lnSpc>
+                  <a:spcPts val="1138"/>
+                </a:lnSpc>
+                <a:spcBef>
+                  <a:spcPts val="0"/>
+                </a:spcBef>
+                <a:spcAft>
+                  <a:spcPts val="0"/>
+                </a:spcAft>
+              </a:pPr>
+              <a:r>
+                <a:rPr sz="1138">
+                  <a:solidFill>
+                    <a:srgbClr val="000000">
+                      <a:alpha val="100000"/>
+                    </a:srgbClr>
+                  </a:solidFill>
+                  <a:latin typeface="Arial"/>
+                  <a:cs typeface="Arial"/>
+                </a:rPr>
+                <a:t>7 (5%)</a:t>
+              </a:r>
+            </a:p>
+          </p:txBody>
+        </p:sp>
+        <p:sp>
+          <p:nvSpPr>
             <p:cNvPr id="26" name="tx26"/>
             <p:cNvSpPr/>
             <p:nvPr/>
           </p:nvSpPr>
           <p:spPr>
             <a:xfrm>
-              <a:off x="4206270" y="6206349"/>
+              <a:off x="4206270" y="6203311"/>
               <a:ext cx="425715" cy="135647"/>
             </a:xfrm>
             <a:prstGeom prst="rect">
@@ -3089,7 +3089,7 @@
           </p:nvSpPr>
           <p:spPr>
             <a:xfrm>
-              <a:off x="4206270" y="6362589"/>
+              <a:off x="4206270" y="6361721"/>
               <a:ext cx="425715" cy="135647"/>
             </a:xfrm>
             <a:prstGeom prst="rect">
@@ -4106,7 +4106,7 @@
                   <a:latin typeface="Arial"/>
                   <a:cs typeface="Arial"/>
                 </a:rPr>
-                <a:t>healthcare personnel (N=146)</a:t>
+                <a:t>healthcare personnel (N=144)</a:t>
               </a:r>
             </a:p>
           </p:txBody>
